--- a/doc/Presentation.pptx
+++ b/doc/Presentation.pptx
@@ -4879,8 +4879,8 @@
         </p:nvSpPr>
         <p:spPr>
           <a:xfrm>
-            <a:off x="2881363" y="92469"/>
-            <a:ext cx="6429273" cy="1325563"/>
+            <a:off x="5343149" y="107881"/>
+            <a:ext cx="1505702" cy="1325563"/>
           </a:xfrm>
         </p:spPr>
         <p:txBody>
@@ -4891,7 +4891,7 @@
           <a:p>
             <a:r>
               <a:rPr lang="en-IT" dirty="0"/>
-              <a:t>Executor – Result retrieving</a:t>
+              <a:t>Client</a:t>
             </a:r>
           </a:p>
         </p:txBody>

--- a/doc/Presentation.pptx
+++ b/doc/Presentation.pptx
@@ -4,16 +4,19 @@
   <p:sldMasterIdLst>
     <p:sldMasterId id="2147483648" r:id="rId1"/>
   </p:sldMasterIdLst>
+  <p:notesMasterIdLst>
+    <p:notesMasterId r:id="rId11"/>
+  </p:notesMasterIdLst>
   <p:sldIdLst>
     <p:sldId id="256" r:id="rId2"/>
     <p:sldId id="258" r:id="rId3"/>
     <p:sldId id="259" r:id="rId4"/>
-    <p:sldId id="260" r:id="rId5"/>
-    <p:sldId id="261" r:id="rId6"/>
-    <p:sldId id="262" r:id="rId7"/>
-    <p:sldId id="263" r:id="rId8"/>
-    <p:sldId id="264" r:id="rId9"/>
-    <p:sldId id="257" r:id="rId10"/>
+    <p:sldId id="265" r:id="rId5"/>
+    <p:sldId id="260" r:id="rId6"/>
+    <p:sldId id="261" r:id="rId7"/>
+    <p:sldId id="262" r:id="rId8"/>
+    <p:sldId id="263" r:id="rId9"/>
+    <p:sldId id="264" r:id="rId10"/>
   </p:sldIdLst>
   <p:sldSz cx="12192000" cy="6858000"/>
   <p:notesSz cx="6858000" cy="9144000"/>
@@ -112,7 +115,362 @@
       </a:defRPr>
     </a:lvl9pPr>
   </p:defaultTextStyle>
+  <p:extLst>
+    <p:ext uri="{EFAFB233-063F-42B5-8137-9DF3F51BA10A}">
+      <p15:sldGuideLst xmlns:p15="http://schemas.microsoft.com/office/powerpoint/2012/main"/>
+    </p:ext>
+  </p:extLst>
 </p:presentation>
+</file>
+
+<file path=ppt/notesMasters/notesMaster1.xml><?xml version="1.0" encoding="utf-8"?>
+<p:notesMaster xmlns:a="http://schemas.openxmlformats.org/drawingml/2006/main" xmlns:r="http://schemas.openxmlformats.org/officeDocument/2006/relationships" xmlns:p="http://schemas.openxmlformats.org/presentationml/2006/main">
+  <p:cSld>
+    <p:bg>
+      <p:bgRef idx="1001">
+        <a:schemeClr val="bg1"/>
+      </p:bgRef>
+    </p:bg>
+    <p:spTree>
+      <p:nvGrpSpPr>
+        <p:cNvPr id="1" name=""/>
+        <p:cNvGrpSpPr/>
+        <p:nvPr/>
+      </p:nvGrpSpPr>
+      <p:grpSpPr>
+        <a:xfrm>
+          <a:off x="0" y="0"/>
+          <a:ext cx="0" cy="0"/>
+          <a:chOff x="0" y="0"/>
+          <a:chExt cx="0" cy="0"/>
+        </a:xfrm>
+      </p:grpSpPr>
+      <p:sp>
+        <p:nvSpPr>
+          <p:cNvPr id="2" name="Header Placeholder 1"/>
+          <p:cNvSpPr>
+            <a:spLocks noGrp="1"/>
+          </p:cNvSpPr>
+          <p:nvPr>
+            <p:ph type="hdr" sz="quarter"/>
+          </p:nvPr>
+        </p:nvSpPr>
+        <p:spPr>
+          <a:xfrm>
+            <a:off x="0" y="0"/>
+            <a:ext cx="2971800" cy="458788"/>
+          </a:xfrm>
+          <a:prstGeom prst="rect">
+            <a:avLst/>
+          </a:prstGeom>
+        </p:spPr>
+        <p:txBody>
+          <a:bodyPr vert="horz" lIns="91440" tIns="45720" rIns="91440" bIns="45720" rtlCol="0"/>
+          <a:lstStyle>
+            <a:lvl1pPr algn="l">
+              <a:defRPr sz="1200"/>
+            </a:lvl1pPr>
+          </a:lstStyle>
+          <a:p>
+            <a:endParaRPr lang="en-IT"/>
+          </a:p>
+        </p:txBody>
+      </p:sp>
+      <p:sp>
+        <p:nvSpPr>
+          <p:cNvPr id="3" name="Date Placeholder 2"/>
+          <p:cNvSpPr>
+            <a:spLocks noGrp="1"/>
+          </p:cNvSpPr>
+          <p:nvPr>
+            <p:ph type="dt" idx="1"/>
+          </p:nvPr>
+        </p:nvSpPr>
+        <p:spPr>
+          <a:xfrm>
+            <a:off x="3884613" y="0"/>
+            <a:ext cx="2971800" cy="458788"/>
+          </a:xfrm>
+          <a:prstGeom prst="rect">
+            <a:avLst/>
+          </a:prstGeom>
+        </p:spPr>
+        <p:txBody>
+          <a:bodyPr vert="horz" lIns="91440" tIns="45720" rIns="91440" bIns="45720" rtlCol="0"/>
+          <a:lstStyle>
+            <a:lvl1pPr algn="r">
+              <a:defRPr sz="1200"/>
+            </a:lvl1pPr>
+          </a:lstStyle>
+          <a:p>
+            <a:fld id="{71FCAFE9-FC54-5240-9330-0C40A39BF0DD}" type="datetimeFigureOut">
+              <a:rPr lang="en-IT" smtClean="0"/>
+              <a:t>02/05/2020</a:t>
+            </a:fld>
+            <a:endParaRPr lang="en-IT"/>
+          </a:p>
+        </p:txBody>
+      </p:sp>
+      <p:sp>
+        <p:nvSpPr>
+          <p:cNvPr id="4" name="Slide Image Placeholder 3"/>
+          <p:cNvSpPr>
+            <a:spLocks noGrp="1" noRot="1" noChangeAspect="1"/>
+          </p:cNvSpPr>
+          <p:nvPr>
+            <p:ph type="sldImg" idx="2"/>
+          </p:nvPr>
+        </p:nvSpPr>
+        <p:spPr>
+          <a:xfrm>
+            <a:off x="685800" y="1143000"/>
+            <a:ext cx="5486400" cy="3086100"/>
+          </a:xfrm>
+          <a:prstGeom prst="rect">
+            <a:avLst/>
+          </a:prstGeom>
+          <a:noFill/>
+          <a:ln w="12700">
+            <a:solidFill>
+              <a:prstClr val="black"/>
+            </a:solidFill>
+          </a:ln>
+        </p:spPr>
+        <p:txBody>
+          <a:bodyPr vert="horz" lIns="91440" tIns="45720" rIns="91440" bIns="45720" rtlCol="0" anchor="ctr"/>
+          <a:lstStyle/>
+          <a:p>
+            <a:endParaRPr lang="en-IT"/>
+          </a:p>
+        </p:txBody>
+      </p:sp>
+      <p:sp>
+        <p:nvSpPr>
+          <p:cNvPr id="5" name="Notes Placeholder 4"/>
+          <p:cNvSpPr>
+            <a:spLocks noGrp="1"/>
+          </p:cNvSpPr>
+          <p:nvPr>
+            <p:ph type="body" sz="quarter" idx="3"/>
+          </p:nvPr>
+        </p:nvSpPr>
+        <p:spPr>
+          <a:xfrm>
+            <a:off x="685800" y="4400550"/>
+            <a:ext cx="5486400" cy="3600450"/>
+          </a:xfrm>
+          <a:prstGeom prst="rect">
+            <a:avLst/>
+          </a:prstGeom>
+        </p:spPr>
+        <p:txBody>
+          <a:bodyPr vert="horz" lIns="91440" tIns="45720" rIns="91440" bIns="45720" rtlCol="0"/>
+          <a:lstStyle/>
+          <a:p>
+            <a:pPr lvl="0"/>
+            <a:r>
+              <a:rPr lang="en-GB"/>
+              <a:t>Click to edit Master text styles</a:t>
+            </a:r>
+          </a:p>
+          <a:p>
+            <a:pPr lvl="1"/>
+            <a:r>
+              <a:rPr lang="en-GB"/>
+              <a:t>Second level</a:t>
+            </a:r>
+          </a:p>
+          <a:p>
+            <a:pPr lvl="2"/>
+            <a:r>
+              <a:rPr lang="en-GB"/>
+              <a:t>Third level</a:t>
+            </a:r>
+          </a:p>
+          <a:p>
+            <a:pPr lvl="3"/>
+            <a:r>
+              <a:rPr lang="en-GB"/>
+              <a:t>Fourth level</a:t>
+            </a:r>
+          </a:p>
+          <a:p>
+            <a:pPr lvl="4"/>
+            <a:r>
+              <a:rPr lang="en-GB"/>
+              <a:t>Fifth level</a:t>
+            </a:r>
+            <a:endParaRPr lang="en-IT"/>
+          </a:p>
+        </p:txBody>
+      </p:sp>
+      <p:sp>
+        <p:nvSpPr>
+          <p:cNvPr id="6" name="Footer Placeholder 5"/>
+          <p:cNvSpPr>
+            <a:spLocks noGrp="1"/>
+          </p:cNvSpPr>
+          <p:nvPr>
+            <p:ph type="ftr" sz="quarter" idx="4"/>
+          </p:nvPr>
+        </p:nvSpPr>
+        <p:spPr>
+          <a:xfrm>
+            <a:off x="0" y="8685213"/>
+            <a:ext cx="2971800" cy="458787"/>
+          </a:xfrm>
+          <a:prstGeom prst="rect">
+            <a:avLst/>
+          </a:prstGeom>
+        </p:spPr>
+        <p:txBody>
+          <a:bodyPr vert="horz" lIns="91440" tIns="45720" rIns="91440" bIns="45720" rtlCol="0" anchor="b"/>
+          <a:lstStyle>
+            <a:lvl1pPr algn="l">
+              <a:defRPr sz="1200"/>
+            </a:lvl1pPr>
+          </a:lstStyle>
+          <a:p>
+            <a:endParaRPr lang="en-IT"/>
+          </a:p>
+        </p:txBody>
+      </p:sp>
+      <p:sp>
+        <p:nvSpPr>
+          <p:cNvPr id="7" name="Slide Number Placeholder 6"/>
+          <p:cNvSpPr>
+            <a:spLocks noGrp="1"/>
+          </p:cNvSpPr>
+          <p:nvPr>
+            <p:ph type="sldNum" sz="quarter" idx="5"/>
+          </p:nvPr>
+        </p:nvSpPr>
+        <p:spPr>
+          <a:xfrm>
+            <a:off x="3884613" y="8685213"/>
+            <a:ext cx="2971800" cy="458787"/>
+          </a:xfrm>
+          <a:prstGeom prst="rect">
+            <a:avLst/>
+          </a:prstGeom>
+        </p:spPr>
+        <p:txBody>
+          <a:bodyPr vert="horz" lIns="91440" tIns="45720" rIns="91440" bIns="45720" rtlCol="0" anchor="b"/>
+          <a:lstStyle>
+            <a:lvl1pPr algn="r">
+              <a:defRPr sz="1200"/>
+            </a:lvl1pPr>
+          </a:lstStyle>
+          <a:p>
+            <a:fld id="{D7B57836-9DFA-5E41-BEC2-3CE301BC0D35}" type="slidenum">
+              <a:rPr lang="en-IT" smtClean="0"/>
+              <a:t>‹#›</a:t>
+            </a:fld>
+            <a:endParaRPr lang="en-IT"/>
+          </a:p>
+        </p:txBody>
+      </p:sp>
+    </p:spTree>
+    <p:extLst>
+      <p:ext uri="{BB962C8B-B14F-4D97-AF65-F5344CB8AC3E}">
+        <p14:creationId xmlns:p14="http://schemas.microsoft.com/office/powerpoint/2010/main" val="3314408554"/>
+      </p:ext>
+    </p:extLst>
+  </p:cSld>
+  <p:clrMap bg1="lt1" tx1="dk1" bg2="lt2" tx2="dk2" accent1="accent1" accent2="accent2" accent3="accent3" accent4="accent4" accent5="accent5" accent6="accent6" hlink="hlink" folHlink="folHlink"/>
+  <p:notesStyle>
+    <a:lvl1pPr marL="0" algn="l" defTabSz="914400" rtl="0" eaLnBrk="1" latinLnBrk="0" hangingPunct="1">
+      <a:defRPr sz="1200" kern="1200">
+        <a:solidFill>
+          <a:schemeClr val="tx1"/>
+        </a:solidFill>
+        <a:latin typeface="+mn-lt"/>
+        <a:ea typeface="+mn-ea"/>
+        <a:cs typeface="+mn-cs"/>
+      </a:defRPr>
+    </a:lvl1pPr>
+    <a:lvl2pPr marL="457200" algn="l" defTabSz="914400" rtl="0" eaLnBrk="1" latinLnBrk="0" hangingPunct="1">
+      <a:defRPr sz="1200" kern="1200">
+        <a:solidFill>
+          <a:schemeClr val="tx1"/>
+        </a:solidFill>
+        <a:latin typeface="+mn-lt"/>
+        <a:ea typeface="+mn-ea"/>
+        <a:cs typeface="+mn-cs"/>
+      </a:defRPr>
+    </a:lvl2pPr>
+    <a:lvl3pPr marL="914400" algn="l" defTabSz="914400" rtl="0" eaLnBrk="1" latinLnBrk="0" hangingPunct="1">
+      <a:defRPr sz="1200" kern="1200">
+        <a:solidFill>
+          <a:schemeClr val="tx1"/>
+        </a:solidFill>
+        <a:latin typeface="+mn-lt"/>
+        <a:ea typeface="+mn-ea"/>
+        <a:cs typeface="+mn-cs"/>
+      </a:defRPr>
+    </a:lvl3pPr>
+    <a:lvl4pPr marL="1371600" algn="l" defTabSz="914400" rtl="0" eaLnBrk="1" latinLnBrk="0" hangingPunct="1">
+      <a:defRPr sz="1200" kern="1200">
+        <a:solidFill>
+          <a:schemeClr val="tx1"/>
+        </a:solidFill>
+        <a:latin typeface="+mn-lt"/>
+        <a:ea typeface="+mn-ea"/>
+        <a:cs typeface="+mn-cs"/>
+      </a:defRPr>
+    </a:lvl4pPr>
+    <a:lvl5pPr marL="1828800" algn="l" defTabSz="914400" rtl="0" eaLnBrk="1" latinLnBrk="0" hangingPunct="1">
+      <a:defRPr sz="1200" kern="1200">
+        <a:solidFill>
+          <a:schemeClr val="tx1"/>
+        </a:solidFill>
+        <a:latin typeface="+mn-lt"/>
+        <a:ea typeface="+mn-ea"/>
+        <a:cs typeface="+mn-cs"/>
+      </a:defRPr>
+    </a:lvl5pPr>
+    <a:lvl6pPr marL="2286000" algn="l" defTabSz="914400" rtl="0" eaLnBrk="1" latinLnBrk="0" hangingPunct="1">
+      <a:defRPr sz="1200" kern="1200">
+        <a:solidFill>
+          <a:schemeClr val="tx1"/>
+        </a:solidFill>
+        <a:latin typeface="+mn-lt"/>
+        <a:ea typeface="+mn-ea"/>
+        <a:cs typeface="+mn-cs"/>
+      </a:defRPr>
+    </a:lvl6pPr>
+    <a:lvl7pPr marL="2743200" algn="l" defTabSz="914400" rtl="0" eaLnBrk="1" latinLnBrk="0" hangingPunct="1">
+      <a:defRPr sz="1200" kern="1200">
+        <a:solidFill>
+          <a:schemeClr val="tx1"/>
+        </a:solidFill>
+        <a:latin typeface="+mn-lt"/>
+        <a:ea typeface="+mn-ea"/>
+        <a:cs typeface="+mn-cs"/>
+      </a:defRPr>
+    </a:lvl7pPr>
+    <a:lvl8pPr marL="3200400" algn="l" defTabSz="914400" rtl="0" eaLnBrk="1" latinLnBrk="0" hangingPunct="1">
+      <a:defRPr sz="1200" kern="1200">
+        <a:solidFill>
+          <a:schemeClr val="tx1"/>
+        </a:solidFill>
+        <a:latin typeface="+mn-lt"/>
+        <a:ea typeface="+mn-ea"/>
+        <a:cs typeface="+mn-cs"/>
+      </a:defRPr>
+    </a:lvl8pPr>
+    <a:lvl9pPr marL="3657600" algn="l" defTabSz="914400" rtl="0" eaLnBrk="1" latinLnBrk="0" hangingPunct="1">
+      <a:defRPr sz="1200" kern="1200">
+        <a:solidFill>
+          <a:schemeClr val="tx1"/>
+        </a:solidFill>
+        <a:latin typeface="+mn-lt"/>
+        <a:ea typeface="+mn-ea"/>
+        <a:cs typeface="+mn-cs"/>
+      </a:defRPr>
+    </a:lvl9pPr>
+  </p:notesStyle>
+</p:notesMaster>
 </file>
 
 <file path=ppt/slideLayouts/slideLayout1.xml><?xml version="1.0" encoding="utf-8"?>
@@ -264,7 +622,7 @@
           <a:p>
             <a:fld id="{E353FA8F-824B-6D4F-88EB-2F7DEC2ACD60}" type="datetimeFigureOut">
               <a:rPr lang="en-IT" smtClean="0"/>
-              <a:t>29/04/2020</a:t>
+              <a:t>02/05/2020</a:t>
             </a:fld>
             <a:endParaRPr lang="en-IT"/>
           </a:p>
@@ -464,7 +822,7 @@
           <a:p>
             <a:fld id="{E353FA8F-824B-6D4F-88EB-2F7DEC2ACD60}" type="datetimeFigureOut">
               <a:rPr lang="en-IT" smtClean="0"/>
-              <a:t>29/04/2020</a:t>
+              <a:t>02/05/2020</a:t>
             </a:fld>
             <a:endParaRPr lang="en-IT"/>
           </a:p>
@@ -674,7 +1032,7 @@
           <a:p>
             <a:fld id="{E353FA8F-824B-6D4F-88EB-2F7DEC2ACD60}" type="datetimeFigureOut">
               <a:rPr lang="en-IT" smtClean="0"/>
-              <a:t>29/04/2020</a:t>
+              <a:t>02/05/2020</a:t>
             </a:fld>
             <a:endParaRPr lang="en-IT"/>
           </a:p>
@@ -874,7 +1232,7 @@
           <a:p>
             <a:fld id="{E353FA8F-824B-6D4F-88EB-2F7DEC2ACD60}" type="datetimeFigureOut">
               <a:rPr lang="en-IT" smtClean="0"/>
-              <a:t>29/04/2020</a:t>
+              <a:t>02/05/2020</a:t>
             </a:fld>
             <a:endParaRPr lang="en-IT"/>
           </a:p>
@@ -1150,7 +1508,7 @@
           <a:p>
             <a:fld id="{E353FA8F-824B-6D4F-88EB-2F7DEC2ACD60}" type="datetimeFigureOut">
               <a:rPr lang="en-IT" smtClean="0"/>
-              <a:t>29/04/2020</a:t>
+              <a:t>02/05/2020</a:t>
             </a:fld>
             <a:endParaRPr lang="en-IT"/>
           </a:p>
@@ -1418,7 +1776,7 @@
           <a:p>
             <a:fld id="{E353FA8F-824B-6D4F-88EB-2F7DEC2ACD60}" type="datetimeFigureOut">
               <a:rPr lang="en-IT" smtClean="0"/>
-              <a:t>29/04/2020</a:t>
+              <a:t>02/05/2020</a:t>
             </a:fld>
             <a:endParaRPr lang="en-IT"/>
           </a:p>
@@ -1833,7 +2191,7 @@
           <a:p>
             <a:fld id="{E353FA8F-824B-6D4F-88EB-2F7DEC2ACD60}" type="datetimeFigureOut">
               <a:rPr lang="en-IT" smtClean="0"/>
-              <a:t>29/04/2020</a:t>
+              <a:t>02/05/2020</a:t>
             </a:fld>
             <a:endParaRPr lang="en-IT"/>
           </a:p>
@@ -1975,7 +2333,7 @@
           <a:p>
             <a:fld id="{E353FA8F-824B-6D4F-88EB-2F7DEC2ACD60}" type="datetimeFigureOut">
               <a:rPr lang="en-IT" smtClean="0"/>
-              <a:t>29/04/2020</a:t>
+              <a:t>02/05/2020</a:t>
             </a:fld>
             <a:endParaRPr lang="en-IT"/>
           </a:p>
@@ -2088,7 +2446,7 @@
           <a:p>
             <a:fld id="{E353FA8F-824B-6D4F-88EB-2F7DEC2ACD60}" type="datetimeFigureOut">
               <a:rPr lang="en-IT" smtClean="0"/>
-              <a:t>29/04/2020</a:t>
+              <a:t>02/05/2020</a:t>
             </a:fld>
             <a:endParaRPr lang="en-IT"/>
           </a:p>
@@ -2401,7 +2759,7 @@
           <a:p>
             <a:fld id="{E353FA8F-824B-6D4F-88EB-2F7DEC2ACD60}" type="datetimeFigureOut">
               <a:rPr lang="en-IT" smtClean="0"/>
-              <a:t>29/04/2020</a:t>
+              <a:t>02/05/2020</a:t>
             </a:fld>
             <a:endParaRPr lang="en-IT"/>
           </a:p>
@@ -2690,7 +3048,7 @@
           <a:p>
             <a:fld id="{E353FA8F-824B-6D4F-88EB-2F7DEC2ACD60}" type="datetimeFigureOut">
               <a:rPr lang="en-IT" smtClean="0"/>
-              <a:t>29/04/2020</a:t>
+              <a:t>02/05/2020</a:t>
             </a:fld>
             <a:endParaRPr lang="en-IT"/>
           </a:p>
@@ -2933,7 +3291,7 @@
           <a:p>
             <a:fld id="{E353FA8F-824B-6D4F-88EB-2F7DEC2ACD60}" type="datetimeFigureOut">
               <a:rPr lang="en-IT" smtClean="0"/>
-              <a:t>29/04/2020</a:t>
+              <a:t>02/05/2020</a:t>
             </a:fld>
             <a:endParaRPr lang="en-IT"/>
           </a:p>
@@ -3582,7 +3940,7 @@
           <a:lstStyle/>
           <a:p>
             <a:r>
-              <a:rPr lang="en-GB" dirty="0"/>
+              <a:rPr lang="en-GB"/>
               <a:t>Entities</a:t>
             </a:r>
             <a:endParaRPr lang="en-IT" dirty="0"/>
@@ -3611,7 +3969,7 @@
         </p:blipFill>
         <p:spPr>
           <a:xfrm>
-            <a:off x="1614184" y="1484616"/>
+            <a:off x="1917133" y="1233486"/>
             <a:ext cx="1345629" cy="1345629"/>
           </a:xfrm>
           <a:prstGeom prst="rect">
@@ -3653,7 +4011,7 @@
         </p:blipFill>
         <p:spPr>
           <a:xfrm>
-            <a:off x="8671816" y="1578760"/>
+            <a:off x="8384432" y="1327630"/>
             <a:ext cx="1155019" cy="1157339"/>
           </a:xfrm>
           <a:prstGeom prst="rect">
@@ -3663,10 +4021,10 @@
       </p:pic>
       <p:sp>
         <p:nvSpPr>
-          <p:cNvPr id="8" name="TextBox 7">
-            <a:extLst>
-              <a:ext uri="{FF2B5EF4-FFF2-40B4-BE49-F238E27FC236}">
-                <a16:creationId xmlns:a16="http://schemas.microsoft.com/office/drawing/2014/main" id="{2491F65D-80F1-974A-A6AB-AF4D2115D31A}"/>
+          <p:cNvPr id="10" name="TextBox 9">
+            <a:extLst>
+              <a:ext uri="{FF2B5EF4-FFF2-40B4-BE49-F238E27FC236}">
+                <a16:creationId xmlns:a16="http://schemas.microsoft.com/office/drawing/2014/main" id="{0B87AED5-0622-0843-967F-5A25B454C9B1}"/>
               </a:ext>
             </a:extLst>
           </p:cNvPr>
@@ -3675,8 +4033,8 @@
         </p:nvSpPr>
         <p:spPr>
           <a:xfrm>
-            <a:off x="1743163" y="3003018"/>
-            <a:ext cx="1001877" cy="369332"/>
+            <a:off x="976325" y="2601482"/>
+            <a:ext cx="3909426" cy="4524315"/>
           </a:xfrm>
           <a:prstGeom prst="rect">
             <a:avLst/>
@@ -3684,24 +4042,134 @@
           <a:noFill/>
         </p:spPr>
         <p:txBody>
-          <a:bodyPr wrap="none" rtlCol="0">
+          <a:bodyPr wrap="square" rtlCol="0">
             <a:spAutoFit/>
           </a:bodyPr>
           <a:lstStyle/>
           <a:p>
             <a:r>
               <a:rPr lang="en-IT" dirty="0"/>
-              <a:t>Executor</a:t>
-            </a:r>
-          </a:p>
-        </p:txBody>
-      </p:sp>
-      <p:sp>
-        <p:nvSpPr>
-          <p:cNvPr id="9" name="TextBox 8">
-            <a:extLst>
-              <a:ext uri="{FF2B5EF4-FFF2-40B4-BE49-F238E27FC236}">
-                <a16:creationId xmlns:a16="http://schemas.microsoft.com/office/drawing/2014/main" id="{2C6F4D79-3940-4946-8179-22B65B28B6BF}"/>
+              <a:t>The </a:t>
+            </a:r>
+            <a:r>
+              <a:rPr lang="en-IT" b="1" dirty="0"/>
+              <a:t>executor</a:t>
+            </a:r>
+            <a:r>
+              <a:rPr lang="en-IT" dirty="0"/>
+              <a:t>: </a:t>
+            </a:r>
+          </a:p>
+          <a:p>
+            <a:endParaRPr lang="en-IT" dirty="0"/>
+          </a:p>
+          <a:p>
+            <a:pPr marL="285750" indent="-285750">
+              <a:buFont typeface="Arial" panose="020B0604020202020204" pitchFamily="34" charset="0"/>
+              <a:buChar char="•"/>
+            </a:pPr>
+            <a:r>
+              <a:rPr lang="en-GB" dirty="0" err="1"/>
+              <a:t>i</a:t>
+            </a:r>
+            <a:r>
+              <a:rPr lang="en-IT" dirty="0"/>
+              <a:t>s connected to other executors.</a:t>
+            </a:r>
+          </a:p>
+          <a:p>
+            <a:pPr marL="285750" indent="-285750">
+              <a:buFont typeface="Arial" panose="020B0604020202020204" pitchFamily="34" charset="0"/>
+              <a:buChar char="•"/>
+            </a:pPr>
+            <a:r>
+              <a:rPr lang="en-IT" dirty="0"/>
+              <a:t>contains </a:t>
+            </a:r>
+            <a:r>
+              <a:rPr lang="en-IT" b="1" dirty="0"/>
+              <a:t>infos</a:t>
+            </a:r>
+            <a:r>
+              <a:rPr lang="en-IT" dirty="0"/>
+              <a:t> about other executors.</a:t>
+            </a:r>
+          </a:p>
+          <a:p>
+            <a:pPr marL="285750" indent="-285750">
+              <a:buFont typeface="Arial" panose="020B0604020202020204" pitchFamily="34" charset="0"/>
+              <a:buChar char="•"/>
+            </a:pPr>
+            <a:r>
+              <a:rPr lang="en-IT" dirty="0"/>
+              <a:t>executes </a:t>
+            </a:r>
+            <a:r>
+              <a:rPr lang="en-IT" b="1" dirty="0"/>
+              <a:t>Jobs</a:t>
+            </a:r>
+            <a:r>
+              <a:rPr lang="en-IT" dirty="0"/>
+              <a:t>.</a:t>
+            </a:r>
+          </a:p>
+          <a:p>
+            <a:pPr marL="285750" indent="-285750">
+              <a:buFont typeface="Arial" panose="020B0604020202020204" pitchFamily="34" charset="0"/>
+              <a:buChar char="•"/>
+            </a:pPr>
+            <a:r>
+              <a:rPr lang="en-IT" dirty="0"/>
+              <a:t>is a possible entry point for the client.</a:t>
+            </a:r>
+          </a:p>
+          <a:p>
+            <a:pPr marL="285750" indent="-285750">
+              <a:buFont typeface="Arial" panose="020B0604020202020204" pitchFamily="34" charset="0"/>
+              <a:buChar char="•"/>
+            </a:pPr>
+            <a:r>
+              <a:rPr lang="en-IT" dirty="0"/>
+              <a:t>is in charge of load balancing.</a:t>
+            </a:r>
+          </a:p>
+          <a:p>
+            <a:pPr marL="285750" indent="-285750">
+              <a:buFont typeface="Arial" panose="020B0604020202020204" pitchFamily="34" charset="0"/>
+              <a:buChar char="•"/>
+            </a:pPr>
+            <a:r>
+              <a:rPr lang="en-GB" dirty="0"/>
+              <a:t>I</a:t>
+            </a:r>
+            <a:r>
+              <a:rPr lang="en-IT" dirty="0"/>
+              <a:t>s configured to parallize jobs among all available host machine’s virtual core</a:t>
+            </a:r>
+          </a:p>
+          <a:p>
+            <a:endParaRPr lang="en-IT" dirty="0"/>
+          </a:p>
+          <a:p>
+            <a:r>
+              <a:rPr lang="en-IT" dirty="0"/>
+              <a:t>There is no hierarchy among executors.</a:t>
+            </a:r>
+          </a:p>
+          <a:p>
+            <a:endParaRPr lang="en-IT" dirty="0"/>
+          </a:p>
+          <a:p>
+            <a:endParaRPr lang="en-IT" dirty="0"/>
+          </a:p>
+        </p:txBody>
+      </p:sp>
+      <p:sp>
+        <p:nvSpPr>
+          <p:cNvPr id="13" name="TextBox 12">
+            <a:extLst>
+              <a:ext uri="{FF2B5EF4-FFF2-40B4-BE49-F238E27FC236}">
+                <a16:creationId xmlns:a16="http://schemas.microsoft.com/office/drawing/2014/main" id="{DDC22AC9-5A6A-D647-A278-325A844D5BAC}"/>
               </a:ext>
             </a:extLst>
           </p:cNvPr>
@@ -3710,8 +4178,8 @@
         </p:nvSpPr>
         <p:spPr>
           <a:xfrm>
-            <a:off x="8886341" y="2943546"/>
-            <a:ext cx="725968" cy="369332"/>
+            <a:off x="7306251" y="2484969"/>
+            <a:ext cx="3508193" cy="2031325"/>
           </a:xfrm>
           <a:prstGeom prst="rect">
             <a:avLst/>
@@ -3719,24 +4187,103 @@
           <a:noFill/>
         </p:spPr>
         <p:txBody>
-          <a:bodyPr wrap="none" rtlCol="0">
+          <a:bodyPr wrap="square" rtlCol="0">
             <a:spAutoFit/>
           </a:bodyPr>
           <a:lstStyle/>
           <a:p>
             <a:r>
               <a:rPr lang="en-IT" dirty="0"/>
-              <a:t>Client</a:t>
-            </a:r>
-          </a:p>
-        </p:txBody>
-      </p:sp>
-      <p:sp>
-        <p:nvSpPr>
-          <p:cNvPr id="10" name="TextBox 9">
-            <a:extLst>
-              <a:ext uri="{FF2B5EF4-FFF2-40B4-BE49-F238E27FC236}">
-                <a16:creationId xmlns:a16="http://schemas.microsoft.com/office/drawing/2014/main" id="{0B87AED5-0622-0843-967F-5A25B454C9B1}"/>
+              <a:t>The </a:t>
+            </a:r>
+            <a:r>
+              <a:rPr lang="en-IT" b="1" dirty="0"/>
+              <a:t>client</a:t>
+            </a:r>
+            <a:r>
+              <a:rPr lang="en-IT" dirty="0"/>
+              <a:t>:</a:t>
+            </a:r>
+          </a:p>
+          <a:p>
+            <a:endParaRPr lang="en-IT" dirty="0"/>
+          </a:p>
+          <a:p>
+            <a:pPr marL="285750" indent="-285750">
+              <a:buFont typeface="Arial" panose="020B0604020202020204" pitchFamily="34" charset="0"/>
+              <a:buChar char="•"/>
+            </a:pPr>
+            <a:r>
+              <a:rPr lang="en-GB" dirty="0"/>
+              <a:t>I</a:t>
+            </a:r>
+            <a:r>
+              <a:rPr lang="en-IT" dirty="0"/>
+              <a:t>s connected to an </a:t>
+            </a:r>
+            <a:r>
+              <a:rPr lang="en-IT" b="1" dirty="0"/>
+              <a:t>Executor</a:t>
+            </a:r>
+            <a:r>
+              <a:rPr lang="en-IT" dirty="0"/>
+              <a:t>.</a:t>
+            </a:r>
+          </a:p>
+          <a:p>
+            <a:pPr marL="285750" indent="-285750">
+              <a:buFont typeface="Arial" panose="020B0604020202020204" pitchFamily="34" charset="0"/>
+              <a:buChar char="•"/>
+            </a:pPr>
+            <a:r>
+              <a:rPr lang="en-IT" dirty="0"/>
+              <a:t>Can send tasks and retrieve results.</a:t>
+            </a:r>
+          </a:p>
+          <a:p>
+            <a:endParaRPr lang="en-IT" dirty="0"/>
+          </a:p>
+          <a:p>
+            <a:endParaRPr lang="en-IT" dirty="0"/>
+          </a:p>
+        </p:txBody>
+      </p:sp>
+      <p:pic>
+        <p:nvPicPr>
+          <p:cNvPr id="2" name="Picture 1">
+            <a:extLst>
+              <a:ext uri="{FF2B5EF4-FFF2-40B4-BE49-F238E27FC236}">
+                <a16:creationId xmlns:a16="http://schemas.microsoft.com/office/drawing/2014/main" id="{0046BBD2-54B6-284B-951C-85BD24D002C1}"/>
+              </a:ext>
+            </a:extLst>
+          </p:cNvPr>
+          <p:cNvPicPr>
+            <a:picLocks noChangeAspect="1"/>
+          </p:cNvPicPr>
+          <p:nvPr/>
+        </p:nvPicPr>
+        <p:blipFill>
+          <a:blip r:embed="rId5"/>
+          <a:stretch>
+            <a:fillRect/>
+          </a:stretch>
+        </p:blipFill>
+        <p:spPr>
+          <a:xfrm>
+            <a:off x="8587164" y="4030348"/>
+            <a:ext cx="673798" cy="810842"/>
+          </a:xfrm>
+          <a:prstGeom prst="rect">
+            <a:avLst/>
+          </a:prstGeom>
+        </p:spPr>
+      </p:pic>
+      <p:sp>
+        <p:nvSpPr>
+          <p:cNvPr id="15" name="TextBox 14">
+            <a:extLst>
+              <a:ext uri="{FF2B5EF4-FFF2-40B4-BE49-F238E27FC236}">
+                <a16:creationId xmlns:a16="http://schemas.microsoft.com/office/drawing/2014/main" id="{F160D029-BC40-274D-8593-7FCF9C68DB66}"/>
               </a:ext>
             </a:extLst>
           </p:cNvPr>
@@ -3745,8 +4292,8 @@
         </p:nvSpPr>
         <p:spPr>
           <a:xfrm>
-            <a:off x="426233" y="3545123"/>
-            <a:ext cx="4104670" cy="2031325"/>
+            <a:off x="7111005" y="5186240"/>
+            <a:ext cx="4104670" cy="1200329"/>
           </a:xfrm>
           <a:prstGeom prst="rect">
             <a:avLst/>
@@ -3761,63 +4308,91 @@
           <a:p>
             <a:r>
               <a:rPr lang="en-IT" dirty="0"/>
-              <a:t>Connected to other executors.</a:t>
-            </a:r>
-          </a:p>
-          <a:p>
+              <a:t>The jobs:</a:t>
+            </a:r>
+          </a:p>
+          <a:p>
+            <a:pPr marL="285750" indent="-285750">
+              <a:buFont typeface="Arial" panose="020B0604020202020204" pitchFamily="34" charset="0"/>
+              <a:buChar char="•"/>
+            </a:pPr>
             <a:r>
               <a:rPr lang="en-IT" dirty="0"/>
-              <a:t>Contains </a:t>
+              <a:t>implements a generic </a:t>
             </a:r>
             <a:r>
               <a:rPr lang="en-IT" b="1" dirty="0"/>
-              <a:t>infos</a:t>
+              <a:t>callable</a:t>
             </a:r>
             <a:r>
               <a:rPr lang="en-IT" dirty="0"/>
-              <a:t> about other executors.</a:t>
-            </a:r>
-          </a:p>
-          <a:p>
+              <a:t> interface</a:t>
+            </a:r>
+          </a:p>
+          <a:p>
+            <a:pPr marL="285750" indent="-285750">
+              <a:buFont typeface="Arial" panose="020B0604020202020204" pitchFamily="34" charset="0"/>
+              <a:buChar char="•"/>
+            </a:pPr>
+            <a:r>
+              <a:rPr lang="en-GB" dirty="0" err="1"/>
+              <a:t>i</a:t>
+            </a:r>
             <a:r>
               <a:rPr lang="en-IT" dirty="0"/>
-              <a:t>Executes </a:t>
-            </a:r>
-            <a:r>
-              <a:rPr lang="en-IT" b="1" dirty="0"/>
-              <a:t>Jobs</a:t>
-            </a:r>
-            <a:r>
-              <a:rPr lang="en-IT" dirty="0"/>
-              <a:t>.</a:t>
-            </a:r>
-          </a:p>
-          <a:p>
-            <a:r>
-              <a:rPr lang="en-IT" dirty="0"/>
-              <a:t>It is a possible entry point for the client.</a:t>
-            </a:r>
-          </a:p>
-          <a:p>
-            <a:r>
-              <a:rPr lang="en-IT" dirty="0"/>
-              <a:t>It is in charge of load balancing.</a:t>
-            </a:r>
-          </a:p>
-          <a:p>
-            <a:endParaRPr lang="en-IT" dirty="0"/>
-          </a:p>
-          <a:p>
-            <a:endParaRPr lang="en-IT" dirty="0"/>
-          </a:p>
-        </p:txBody>
-      </p:sp>
-      <p:sp>
-        <p:nvSpPr>
-          <p:cNvPr id="13" name="TextBox 12">
-            <a:extLst>
-              <a:ext uri="{FF2B5EF4-FFF2-40B4-BE49-F238E27FC236}">
-                <a16:creationId xmlns:a16="http://schemas.microsoft.com/office/drawing/2014/main" id="{DDC22AC9-5A6A-D647-A278-325A844D5BAC}"/>
+              <a:t>s serialized to a persistent memory.</a:t>
+            </a:r>
+          </a:p>
+        </p:txBody>
+      </p:sp>
+      <p:cxnSp>
+        <p:nvCxnSpPr>
+          <p:cNvPr id="4" name="Straight Arrow Connector 3">
+            <a:extLst>
+              <a:ext uri="{FF2B5EF4-FFF2-40B4-BE49-F238E27FC236}">
+                <a16:creationId xmlns:a16="http://schemas.microsoft.com/office/drawing/2014/main" id="{EAEF713A-A28C-BF41-A82F-7179DF331277}"/>
+              </a:ext>
+            </a:extLst>
+          </p:cNvPr>
+          <p:cNvCxnSpPr>
+            <a:cxnSpLocks/>
+          </p:cNvCxnSpPr>
+          <p:nvPr/>
+        </p:nvCxnSpPr>
+        <p:spPr>
+          <a:xfrm>
+            <a:off x="3944983" y="1645920"/>
+            <a:ext cx="3997234" cy="0"/>
+          </a:xfrm>
+          <a:prstGeom prst="straightConnector1">
+            <a:avLst/>
+          </a:prstGeom>
+          <a:ln>
+            <a:headEnd type="triangle"/>
+            <a:tailEnd type="triangle"/>
+          </a:ln>
+        </p:spPr>
+        <p:style>
+          <a:lnRef idx="1">
+            <a:schemeClr val="accent1"/>
+          </a:lnRef>
+          <a:fillRef idx="0">
+            <a:schemeClr val="accent1"/>
+          </a:fillRef>
+          <a:effectRef idx="0">
+            <a:schemeClr val="accent1"/>
+          </a:effectRef>
+          <a:fontRef idx="minor">
+            <a:schemeClr val="tx1"/>
+          </a:fontRef>
+        </p:style>
+      </p:cxnSp>
+      <p:sp>
+        <p:nvSpPr>
+          <p:cNvPr id="19" name="TextBox 18">
+            <a:extLst>
+              <a:ext uri="{FF2B5EF4-FFF2-40B4-BE49-F238E27FC236}">
+                <a16:creationId xmlns:a16="http://schemas.microsoft.com/office/drawing/2014/main" id="{500BD37F-FF3D-084A-9F43-519E2099E422}"/>
               </a:ext>
             </a:extLst>
           </p:cNvPr>
@@ -3826,8 +4401,8 @@
         </p:nvSpPr>
         <p:spPr>
           <a:xfrm>
-            <a:off x="7196990" y="3545123"/>
-            <a:ext cx="4104670" cy="1200329"/>
+            <a:off x="5270785" y="1301076"/>
+            <a:ext cx="1345629" cy="369332"/>
           </a:xfrm>
           <a:prstGeom prst="rect">
             <a:avLst/>
@@ -3842,28 +4417,8 @@
           <a:p>
             <a:r>
               <a:rPr lang="en-IT" dirty="0"/>
-              <a:t>Connected to a </a:t>
-            </a:r>
-            <a:r>
-              <a:rPr lang="en-IT" b="1" dirty="0"/>
-              <a:t>Executor</a:t>
-            </a:r>
-            <a:r>
-              <a:rPr lang="en-IT" dirty="0"/>
-              <a:t>.</a:t>
-            </a:r>
-          </a:p>
-          <a:p>
-            <a:r>
-              <a:rPr lang="en-IT" dirty="0"/>
-              <a:t>Can send tasks and retrieve results.</a:t>
-            </a:r>
-          </a:p>
-          <a:p>
-            <a:endParaRPr lang="en-IT" dirty="0"/>
-          </a:p>
-          <a:p>
-            <a:endParaRPr lang="en-IT" dirty="0"/>
+              <a:t>Socket, RMI</a:t>
+            </a:r>
           </a:p>
         </p:txBody>
       </p:sp>
@@ -3902,7 +4457,7 @@
           <p:cNvPr id="2" name="Title 1">
             <a:extLst>
               <a:ext uri="{FF2B5EF4-FFF2-40B4-BE49-F238E27FC236}">
-                <a16:creationId xmlns:a16="http://schemas.microsoft.com/office/drawing/2014/main" id="{DDAF157A-9727-2645-ABE1-3DC183D5F79A}"/>
+                <a16:creationId xmlns:a16="http://schemas.microsoft.com/office/drawing/2014/main" id="{70A29F85-C372-1E4B-BE30-56F778A24A51}"/>
               </a:ext>
             </a:extLst>
           </p:cNvPr>
@@ -3913,61 +4468,266 @@
             <p:ph type="title"/>
           </p:nvPr>
         </p:nvSpPr>
-        <p:spPr>
-          <a:xfrm>
-            <a:off x="3512691" y="51371"/>
-            <a:ext cx="5166617" cy="1325563"/>
-          </a:xfrm>
-        </p:spPr>
-        <p:txBody>
-          <a:bodyPr>
-            <a:normAutofit/>
-          </a:bodyPr>
+        <p:spPr/>
+        <p:txBody>
+          <a:bodyPr/>
           <a:lstStyle/>
           <a:p>
             <a:r>
               <a:rPr lang="en-IT" dirty="0"/>
-              <a:t>Executor - Connection</a:t>
-            </a:r>
-          </a:p>
-        </p:txBody>
-      </p:sp>
-      <p:pic>
-        <p:nvPicPr>
-          <p:cNvPr id="4" name="Picture 3" descr="A picture containing sitting, table, white, room&#10;&#10;Description automatically generated">
-            <a:extLst>
-              <a:ext uri="{FF2B5EF4-FFF2-40B4-BE49-F238E27FC236}">
-                <a16:creationId xmlns:a16="http://schemas.microsoft.com/office/drawing/2014/main" id="{566CCD60-DA35-9B46-BA80-289365C54083}"/>
-              </a:ext>
-            </a:extLst>
-          </p:cNvPr>
-          <p:cNvPicPr>
-            <a:picLocks noChangeAspect="1"/>
-          </p:cNvPicPr>
-          <p:nvPr/>
-        </p:nvPicPr>
-        <p:blipFill>
-          <a:blip r:embed="rId2"/>
-          <a:stretch>
-            <a:fillRect/>
-          </a:stretch>
-        </p:blipFill>
-        <p:spPr>
-          <a:xfrm>
-            <a:off x="283681" y="2026263"/>
-            <a:ext cx="2264310" cy="2264310"/>
-          </a:xfrm>
-          <a:prstGeom prst="rect">
-            <a:avLst/>
-          </a:prstGeom>
-        </p:spPr>
-      </p:pic>
+              <a:t>Distributed state</a:t>
+            </a:r>
+          </a:p>
+        </p:txBody>
+      </p:sp>
+      <p:graphicFrame>
+        <p:nvGraphicFramePr>
+          <p:cNvPr id="4" name="Content Placeholder 3">
+            <a:extLst>
+              <a:ext uri="{FF2B5EF4-FFF2-40B4-BE49-F238E27FC236}">
+                <a16:creationId xmlns:a16="http://schemas.microsoft.com/office/drawing/2014/main" id="{E920D74F-3A3A-4B43-8141-8EADEA2D6038}"/>
+              </a:ext>
+            </a:extLst>
+          </p:cNvPr>
+          <p:cNvGraphicFramePr>
+            <a:graphicFrameLocks noGrp="1"/>
+          </p:cNvGraphicFramePr>
+          <p:nvPr>
+            <p:ph idx="1"/>
+            <p:extLst>
+              <p:ext uri="{D42A27DB-BD31-4B8C-83A1-F6EECF244321}">
+                <p14:modId xmlns:p14="http://schemas.microsoft.com/office/powerpoint/2010/main" val="1954012260"/>
+              </p:ext>
+            </p:extLst>
+          </p:nvPr>
+        </p:nvGraphicFramePr>
+        <p:xfrm>
+          <a:off x="838200" y="1468574"/>
+          <a:ext cx="10515600" cy="1483360"/>
+        </p:xfrm>
+        <a:graphic>
+          <a:graphicData uri="http://schemas.openxmlformats.org/drawingml/2006/table">
+            <a:tbl>
+              <a:tblPr firstRow="1" bandRow="1">
+                <a:tableStyleId>{5C22544A-7EE6-4342-B048-85BDC9FD1C3A}</a:tableStyleId>
+              </a:tblPr>
+              <a:tblGrid>
+                <a:gridCol w="3505200">
+                  <a:extLst>
+                    <a:ext uri="{9D8B030D-6E8A-4147-A177-3AD203B41FA5}">
+                      <a16:colId xmlns:a16="http://schemas.microsoft.com/office/drawing/2014/main" val="3234993284"/>
+                    </a:ext>
+                  </a:extLst>
+                </a:gridCol>
+                <a:gridCol w="3505200">
+                  <a:extLst>
+                    <a:ext uri="{9D8B030D-6E8A-4147-A177-3AD203B41FA5}">
+                      <a16:colId xmlns:a16="http://schemas.microsoft.com/office/drawing/2014/main" val="3891558779"/>
+                    </a:ext>
+                  </a:extLst>
+                </a:gridCol>
+                <a:gridCol w="3505200">
+                  <a:extLst>
+                    <a:ext uri="{9D8B030D-6E8A-4147-A177-3AD203B41FA5}">
+                      <a16:colId xmlns:a16="http://schemas.microsoft.com/office/drawing/2014/main" val="527558138"/>
+                    </a:ext>
+                  </a:extLst>
+                </a:gridCol>
+              </a:tblGrid>
+              <a:tr h="370840">
+                <a:tc>
+                  <a:txBody>
+                    <a:bodyPr/>
+                    <a:lstStyle/>
+                    <a:p>
+                      <a:r>
+                        <a:rPr lang="en-IT" dirty="0"/>
+                        <a:t>ID</a:t>
+                      </a:r>
+                    </a:p>
+                  </a:txBody>
+                  <a:tcPr/>
+                </a:tc>
+                <a:tc>
+                  <a:txBody>
+                    <a:bodyPr/>
+                    <a:lstStyle/>
+                    <a:p>
+                      <a:r>
+                        <a:rPr lang="en-IT" dirty="0"/>
+                        <a:t>Assigned jobs</a:t>
+                      </a:r>
+                    </a:p>
+                  </a:txBody>
+                  <a:tcPr/>
+                </a:tc>
+                <a:tc>
+                  <a:txBody>
+                    <a:bodyPr/>
+                    <a:lstStyle/>
+                    <a:p>
+                      <a:r>
+                        <a:rPr lang="en-IT" dirty="0"/>
+                        <a:t>Available core</a:t>
+                      </a:r>
+                    </a:p>
+                  </a:txBody>
+                  <a:tcPr/>
+                </a:tc>
+                <a:extLst>
+                  <a:ext uri="{0D108BD9-81ED-4DB2-BD59-A6C34878D82A}">
+                    <a16:rowId xmlns:a16="http://schemas.microsoft.com/office/drawing/2014/main" val="3078038446"/>
+                  </a:ext>
+                </a:extLst>
+              </a:tr>
+              <a:tr h="370840">
+                <a:tc>
+                  <a:txBody>
+                    <a:bodyPr/>
+                    <a:lstStyle/>
+                    <a:p>
+                      <a:r>
+                        <a:rPr lang="en-IT" dirty="0"/>
+                        <a:t>192.168.0.149</a:t>
+                      </a:r>
+                    </a:p>
+                  </a:txBody>
+                  <a:tcPr/>
+                </a:tc>
+                <a:tc>
+                  <a:txBody>
+                    <a:bodyPr/>
+                    <a:lstStyle/>
+                    <a:p>
+                      <a:r>
+                        <a:rPr lang="en-IT" dirty="0"/>
+                        <a:t>14</a:t>
+                      </a:r>
+                    </a:p>
+                  </a:txBody>
+                  <a:tcPr/>
+                </a:tc>
+                <a:tc>
+                  <a:txBody>
+                    <a:bodyPr/>
+                    <a:lstStyle/>
+                    <a:p>
+                      <a:r>
+                        <a:rPr lang="en-IT" dirty="0"/>
+                        <a:t>4</a:t>
+                      </a:r>
+                    </a:p>
+                  </a:txBody>
+                  <a:tcPr/>
+                </a:tc>
+                <a:extLst>
+                  <a:ext uri="{0D108BD9-81ED-4DB2-BD59-A6C34878D82A}">
+                    <a16:rowId xmlns:a16="http://schemas.microsoft.com/office/drawing/2014/main" val="4031860908"/>
+                  </a:ext>
+                </a:extLst>
+              </a:tr>
+              <a:tr h="370840">
+                <a:tc>
+                  <a:txBody>
+                    <a:bodyPr/>
+                    <a:lstStyle/>
+                    <a:p>
+                      <a:r>
+                        <a:rPr lang="en-IT" dirty="0"/>
+                        <a:t>192.168.0.52</a:t>
+                      </a:r>
+                    </a:p>
+                  </a:txBody>
+                  <a:tcPr/>
+                </a:tc>
+                <a:tc>
+                  <a:txBody>
+                    <a:bodyPr/>
+                    <a:lstStyle/>
+                    <a:p>
+                      <a:r>
+                        <a:rPr lang="en-IT" dirty="0"/>
+                        <a:t>15</a:t>
+                      </a:r>
+                    </a:p>
+                  </a:txBody>
+                  <a:tcPr/>
+                </a:tc>
+                <a:tc>
+                  <a:txBody>
+                    <a:bodyPr/>
+                    <a:lstStyle/>
+                    <a:p>
+                      <a:r>
+                        <a:rPr lang="en-IT" dirty="0"/>
+                        <a:t>12</a:t>
+                      </a:r>
+                    </a:p>
+                  </a:txBody>
+                  <a:tcPr/>
+                </a:tc>
+                <a:extLst>
+                  <a:ext uri="{0D108BD9-81ED-4DB2-BD59-A6C34878D82A}">
+                    <a16:rowId xmlns:a16="http://schemas.microsoft.com/office/drawing/2014/main" val="2449084200"/>
+                  </a:ext>
+                </a:extLst>
+              </a:tr>
+              <a:tr h="370840">
+                <a:tc>
+                  <a:txBody>
+                    <a:bodyPr/>
+                    <a:lstStyle/>
+                    <a:p>
+                      <a:r>
+                        <a:rPr lang="en-IT" dirty="0"/>
+                        <a:t>192.168.0.253</a:t>
+                      </a:r>
+                    </a:p>
+                  </a:txBody>
+                  <a:tcPr/>
+                </a:tc>
+                <a:tc>
+                  <a:txBody>
+                    <a:bodyPr/>
+                    <a:lstStyle/>
+                    <a:p>
+                      <a:r>
+                        <a:rPr lang="en-IT" dirty="0"/>
+                        <a:t>14</a:t>
+                      </a:r>
+                    </a:p>
+                  </a:txBody>
+                  <a:tcPr/>
+                </a:tc>
+                <a:tc>
+                  <a:txBody>
+                    <a:bodyPr/>
+                    <a:lstStyle/>
+                    <a:p>
+                      <a:r>
+                        <a:rPr lang="en-IT" dirty="0"/>
+                        <a:t>2</a:t>
+                      </a:r>
+                    </a:p>
+                  </a:txBody>
+                  <a:tcPr/>
+                </a:tc>
+                <a:extLst>
+                  <a:ext uri="{0D108BD9-81ED-4DB2-BD59-A6C34878D82A}">
+                    <a16:rowId xmlns:a16="http://schemas.microsoft.com/office/drawing/2014/main" val="3906477915"/>
+                  </a:ext>
+                </a:extLst>
+              </a:tr>
+            </a:tbl>
+          </a:graphicData>
+        </a:graphic>
+      </p:graphicFrame>
       <p:sp>
         <p:nvSpPr>
           <p:cNvPr id="5" name="TextBox 4">
             <a:extLst>
               <a:ext uri="{FF2B5EF4-FFF2-40B4-BE49-F238E27FC236}">
-                <a16:creationId xmlns:a16="http://schemas.microsoft.com/office/drawing/2014/main" id="{CAE9CC3F-5993-E44A-A737-ED787B16E3E8}"/>
+                <a16:creationId xmlns:a16="http://schemas.microsoft.com/office/drawing/2014/main" id="{FCECC856-2FCE-2C4A-9618-09810CEE1291}"/>
               </a:ext>
             </a:extLst>
           </p:cNvPr>
@@ -3976,8 +4736,8 @@
         </p:nvSpPr>
         <p:spPr>
           <a:xfrm>
-            <a:off x="2460028" y="2512284"/>
-            <a:ext cx="2090550" cy="369332"/>
+            <a:off x="775062" y="3148422"/>
+            <a:ext cx="10578738" cy="3416320"/>
           </a:xfrm>
           <a:prstGeom prst="rect">
             <a:avLst/>
@@ -3992,124 +4752,53 @@
           <a:p>
             <a:r>
               <a:rPr lang="en-IT" dirty="0"/>
-              <a:t>Connection request:</a:t>
-            </a:r>
-          </a:p>
-        </p:txBody>
-      </p:sp>
-      <p:sp>
-        <p:nvSpPr>
-          <p:cNvPr id="6" name="TextBox 5">
-            <a:extLst>
-              <a:ext uri="{FF2B5EF4-FFF2-40B4-BE49-F238E27FC236}">
-                <a16:creationId xmlns:a16="http://schemas.microsoft.com/office/drawing/2014/main" id="{B833E278-3F8C-C74F-B412-EEEC43A20169}"/>
-              </a:ext>
-            </a:extLst>
-          </p:cNvPr>
-          <p:cNvSpPr txBox="1"/>
-          <p:nvPr/>
-        </p:nvSpPr>
-        <p:spPr>
-          <a:xfrm>
-            <a:off x="4550577" y="2512087"/>
-            <a:ext cx="6786986" cy="646331"/>
-          </a:xfrm>
-          <a:prstGeom prst="rect">
-            <a:avLst/>
-          </a:prstGeom>
-          <a:noFill/>
-        </p:spPr>
-        <p:txBody>
-          <a:bodyPr wrap="none" rtlCol="0">
-            <a:spAutoFit/>
-          </a:bodyPr>
-          <a:lstStyle/>
+              <a:t>Each executors has an hashmap of type id -&gt; pair(#jobs, #core) that represents the state of the distributed system.</a:t>
+            </a:r>
+          </a:p>
           <a:p>
             <a:r>
               <a:rPr lang="en-IT" dirty="0"/>
-              <a:t>Needs to know the IP address of another executor within the network.</a:t>
-            </a:r>
+              <a:t>This data structure is kept consistent among executors via updates messages.</a:t>
+            </a:r>
+          </a:p>
+          <a:p>
+            <a:endParaRPr lang="en-IT" dirty="0"/>
           </a:p>
           <a:p>
             <a:r>
               <a:rPr lang="en-IT" dirty="0"/>
-              <a:t>Sends a JOIN_MESSAGE to be added to the network.</a:t>
-            </a:r>
-          </a:p>
-        </p:txBody>
-      </p:sp>
-      <p:sp>
-        <p:nvSpPr>
-          <p:cNvPr id="39" name="TextBox 38">
-            <a:extLst>
-              <a:ext uri="{FF2B5EF4-FFF2-40B4-BE49-F238E27FC236}">
-                <a16:creationId xmlns:a16="http://schemas.microsoft.com/office/drawing/2014/main" id="{EE6C0DF5-6234-F444-A2BF-B79245E0F777}"/>
-              </a:ext>
-            </a:extLst>
-          </p:cNvPr>
-          <p:cNvSpPr txBox="1"/>
-          <p:nvPr/>
-        </p:nvSpPr>
-        <p:spPr>
-          <a:xfrm>
-            <a:off x="2705732" y="3514917"/>
-            <a:ext cx="1844845" cy="369332"/>
-          </a:xfrm>
-          <a:prstGeom prst="rect">
-            <a:avLst/>
-          </a:prstGeom>
-          <a:noFill/>
-        </p:spPr>
-        <p:txBody>
-          <a:bodyPr wrap="square" rtlCol="0">
-            <a:spAutoFit/>
-          </a:bodyPr>
-          <a:lstStyle/>
+              <a:t>In such a way, each executors is able to take decision about how to distribute jobs and how to reassign them: no need of coordinators.</a:t>
+            </a:r>
+          </a:p>
+          <a:p>
+            <a:endParaRPr lang="en-IT" dirty="0"/>
+          </a:p>
+          <a:p>
+            <a:r>
+              <a:rPr lang="en-IT" b="1" dirty="0"/>
+              <a:t>Assignment policy</a:t>
+            </a:r>
+          </a:p>
           <a:p>
             <a:r>
               <a:rPr lang="en-IT" dirty="0"/>
-              <a:t>Connection reply:</a:t>
-            </a:r>
-          </a:p>
-        </p:txBody>
-      </p:sp>
-      <p:sp>
-        <p:nvSpPr>
-          <p:cNvPr id="40" name="TextBox 39">
-            <a:extLst>
-              <a:ext uri="{FF2B5EF4-FFF2-40B4-BE49-F238E27FC236}">
-                <a16:creationId xmlns:a16="http://schemas.microsoft.com/office/drawing/2014/main" id="{38F9D483-0C3F-EF42-ADB4-8830E3BC7A33}"/>
-              </a:ext>
-            </a:extLst>
-          </p:cNvPr>
-          <p:cNvSpPr txBox="1"/>
-          <p:nvPr/>
-        </p:nvSpPr>
-        <p:spPr>
-          <a:xfrm>
-            <a:off x="4550577" y="3514917"/>
-            <a:ext cx="5177828" cy="646331"/>
-          </a:xfrm>
-          <a:prstGeom prst="rect">
-            <a:avLst/>
-          </a:prstGeom>
-          <a:noFill/>
-        </p:spPr>
-        <p:txBody>
-          <a:bodyPr wrap="none" rtlCol="0">
-            <a:spAutoFit/>
-          </a:bodyPr>
-          <a:lstStyle/>
+              <a:t>New jobs are assigned to the executor with the lowest number of assigned jobs.</a:t>
+            </a:r>
+          </a:p>
+          <a:p>
+            <a:endParaRPr lang="en-IT" dirty="0"/>
+          </a:p>
+          <a:p>
+            <a:r>
+              <a:rPr lang="en-IT" b="1" dirty="0"/>
+              <a:t>Balancing policy</a:t>
+            </a:r>
+            <a:endParaRPr lang="en-IT" dirty="0"/>
+          </a:p>
           <a:p>
             <a:r>
               <a:rPr lang="en-IT" dirty="0"/>
-              <a:t>Replies with its information about the network.</a:t>
-            </a:r>
-          </a:p>
-          <a:p>
-            <a:r>
-              <a:rPr lang="en-IT" dirty="0"/>
-              <a:t>Notifies all the connected executor about the joining.</a:t>
+              <a:t>If an executors finishes all its jobs, it is assigned with pending jobs by others executors</a:t>
             </a:r>
           </a:p>
         </p:txBody>
@@ -4117,7 +4806,7 @@
     </p:spTree>
     <p:extLst>
       <p:ext uri="{BB962C8B-B14F-4D97-AF65-F5344CB8AC3E}">
-        <p14:creationId xmlns:p14="http://schemas.microsoft.com/office/powerpoint/2010/main" val="2896727799"/>
+        <p14:creationId xmlns:p14="http://schemas.microsoft.com/office/powerpoint/2010/main" val="379870289"/>
       </p:ext>
     </p:extLst>
   </p:cSld>
@@ -4162,8 +4851,8 @@
         </p:nvSpPr>
         <p:spPr>
           <a:xfrm>
-            <a:off x="3108253" y="102742"/>
-            <a:ext cx="5975493" cy="1325563"/>
+            <a:off x="3512691" y="51371"/>
+            <a:ext cx="5166617" cy="1325563"/>
           </a:xfrm>
         </p:spPr>
         <p:txBody>
@@ -4174,7 +4863,7 @@
           <a:p>
             <a:r>
               <a:rPr lang="en-IT" dirty="0"/>
-              <a:t>Executor – Load balaning</a:t>
+              <a:t>Executor - Connection</a:t>
             </a:r>
           </a:p>
         </p:txBody>
@@ -4223,8 +4912,8 @@
         </p:nvSpPr>
         <p:spPr>
           <a:xfrm>
-            <a:off x="2698781" y="2512087"/>
-            <a:ext cx="1701006" cy="369332"/>
+            <a:off x="2460028" y="2512284"/>
+            <a:ext cx="2090550" cy="369332"/>
           </a:xfrm>
           <a:prstGeom prst="rect">
             <a:avLst/>
@@ -4239,7 +4928,7 @@
           <a:p>
             <a:r>
               <a:rPr lang="en-IT" dirty="0"/>
-              <a:t>New job arrives:</a:t>
+              <a:t>Connection request:</a:t>
             </a:r>
           </a:p>
         </p:txBody>
@@ -4259,7 +4948,7 @@
         <p:spPr>
           <a:xfrm>
             <a:off x="4550577" y="2512087"/>
-            <a:ext cx="6545513" cy="646331"/>
+            <a:ext cx="7091557" cy="646331"/>
           </a:xfrm>
           <a:prstGeom prst="rect">
             <a:avLst/>
@@ -4267,24 +4956,30 @@
           <a:noFill/>
         </p:spPr>
         <p:txBody>
-          <a:bodyPr wrap="square" rtlCol="0">
+          <a:bodyPr wrap="none" rtlCol="0">
             <a:spAutoFit/>
           </a:bodyPr>
           <a:lstStyle/>
           <a:p>
             <a:r>
               <a:rPr lang="en-IT" dirty="0"/>
-              <a:t>Selects the executor with the smallest number of jobs and sends to it a PROPOSE_MESSAGE asking it to execute the JOB.</a:t>
-            </a:r>
-          </a:p>
-        </p:txBody>
-      </p:sp>
-      <p:sp>
-        <p:nvSpPr>
-          <p:cNvPr id="8" name="TextBox 7">
-            <a:extLst>
-              <a:ext uri="{FF2B5EF4-FFF2-40B4-BE49-F238E27FC236}">
-                <a16:creationId xmlns:a16="http://schemas.microsoft.com/office/drawing/2014/main" id="{CE57CE51-978D-4547-BE23-8A0B2EC920E0}"/>
+              <a:t>It needs to know the IP address of a running executor within the network.</a:t>
+            </a:r>
+          </a:p>
+          <a:p>
+            <a:r>
+              <a:rPr lang="en-IT" dirty="0"/>
+              <a:t>It sends a JOIN_MESSAGE to be added to the network.</a:t>
+            </a:r>
+          </a:p>
+        </p:txBody>
+      </p:sp>
+      <p:sp>
+        <p:nvSpPr>
+          <p:cNvPr id="39" name="TextBox 38">
+            <a:extLst>
+              <a:ext uri="{FF2B5EF4-FFF2-40B4-BE49-F238E27FC236}">
+                <a16:creationId xmlns:a16="http://schemas.microsoft.com/office/drawing/2014/main" id="{EE6C0DF5-6234-F444-A2BF-B79245E0F777}"/>
               </a:ext>
             </a:extLst>
           </p:cNvPr>
@@ -4293,8 +4988,8 @@
         </p:nvSpPr>
         <p:spPr>
           <a:xfrm>
-            <a:off x="2698781" y="3178753"/>
-            <a:ext cx="1701006" cy="369332"/>
+            <a:off x="2705732" y="3514917"/>
+            <a:ext cx="1844845" cy="369332"/>
           </a:xfrm>
           <a:prstGeom prst="rect">
             <a:avLst/>
@@ -4309,17 +5004,17 @@
           <a:p>
             <a:r>
               <a:rPr lang="en-IT" dirty="0"/>
-              <a:t>Jobs completed:</a:t>
-            </a:r>
-          </a:p>
-        </p:txBody>
-      </p:sp>
-      <p:sp>
-        <p:nvSpPr>
-          <p:cNvPr id="9" name="TextBox 8">
-            <a:extLst>
-              <a:ext uri="{FF2B5EF4-FFF2-40B4-BE49-F238E27FC236}">
-                <a16:creationId xmlns:a16="http://schemas.microsoft.com/office/drawing/2014/main" id="{B5CE874E-7C01-CD4E-9C4D-AFA30B29585B}"/>
+              <a:t>Connection reply:</a:t>
+            </a:r>
+          </a:p>
+        </p:txBody>
+      </p:sp>
+      <p:sp>
+        <p:nvSpPr>
+          <p:cNvPr id="40" name="TextBox 39">
+            <a:extLst>
+              <a:ext uri="{FF2B5EF4-FFF2-40B4-BE49-F238E27FC236}">
+                <a16:creationId xmlns:a16="http://schemas.microsoft.com/office/drawing/2014/main" id="{38F9D483-0C3F-EF42-ADB4-8830E3BC7A33}"/>
               </a:ext>
             </a:extLst>
           </p:cNvPr>
@@ -4328,8 +5023,8 @@
         </p:nvSpPr>
         <p:spPr>
           <a:xfrm>
-            <a:off x="4550577" y="3178753"/>
-            <a:ext cx="6545513" cy="923330"/>
+            <a:off x="4550577" y="3514917"/>
+            <a:ext cx="5338128" cy="646331"/>
           </a:xfrm>
           <a:prstGeom prst="rect">
             <a:avLst/>
@@ -4337,6 +5032,47 @@
           <a:noFill/>
         </p:spPr>
         <p:txBody>
+          <a:bodyPr wrap="none" rtlCol="0">
+            <a:spAutoFit/>
+          </a:bodyPr>
+          <a:lstStyle/>
+          <a:p>
+            <a:r>
+              <a:rPr lang="en-IT" dirty="0"/>
+              <a:t>It replies with information about itself.</a:t>
+            </a:r>
+          </a:p>
+          <a:p>
+            <a:r>
+              <a:rPr lang="en-IT" dirty="0"/>
+              <a:t>It notifies all the connected executor about the joining.</a:t>
+            </a:r>
+          </a:p>
+        </p:txBody>
+      </p:sp>
+      <p:sp>
+        <p:nvSpPr>
+          <p:cNvPr id="8" name="TextBox 7">
+            <a:extLst>
+              <a:ext uri="{FF2B5EF4-FFF2-40B4-BE49-F238E27FC236}">
+                <a16:creationId xmlns:a16="http://schemas.microsoft.com/office/drawing/2014/main" id="{3303FC5D-B5EB-0141-B235-BC09F94C689D}"/>
+              </a:ext>
+            </a:extLst>
+          </p:cNvPr>
+          <p:cNvSpPr txBox="1"/>
+          <p:nvPr/>
+        </p:nvSpPr>
+        <p:spPr>
+          <a:xfrm>
+            <a:off x="2890234" y="4517550"/>
+            <a:ext cx="1646063" cy="369332"/>
+          </a:xfrm>
+          <a:prstGeom prst="rect">
+            <a:avLst/>
+          </a:prstGeom>
+          <a:noFill/>
+        </p:spPr>
+        <p:txBody>
           <a:bodyPr wrap="square" rtlCol="0">
             <a:spAutoFit/>
           </a:bodyPr>
@@ -4344,13 +5080,50 @@
           <a:p>
             <a:r>
               <a:rPr lang="en-IT" dirty="0"/>
-              <a:t>It sends an UPDATE_MESSAGE notifying the new state.</a:t>
-            </a:r>
-          </a:p>
+              <a:t>Disconnection:</a:t>
+            </a:r>
+          </a:p>
+        </p:txBody>
+      </p:sp>
+      <p:sp>
+        <p:nvSpPr>
+          <p:cNvPr id="9" name="TextBox 8">
+            <a:extLst>
+              <a:ext uri="{FF2B5EF4-FFF2-40B4-BE49-F238E27FC236}">
+                <a16:creationId xmlns:a16="http://schemas.microsoft.com/office/drawing/2014/main" id="{36503478-83D0-224C-B111-A9382F264694}"/>
+              </a:ext>
+            </a:extLst>
+          </p:cNvPr>
+          <p:cNvSpPr txBox="1"/>
+          <p:nvPr/>
+        </p:nvSpPr>
+        <p:spPr>
+          <a:xfrm>
+            <a:off x="4536297" y="4517550"/>
+            <a:ext cx="5694892" cy="369332"/>
+          </a:xfrm>
+          <a:prstGeom prst="rect">
+            <a:avLst/>
+          </a:prstGeom>
+          <a:noFill/>
+        </p:spPr>
+        <p:txBody>
+          <a:bodyPr wrap="none" rtlCol="0">
+            <a:spAutoFit/>
+          </a:bodyPr>
+          <a:lstStyle/>
           <a:p>
             <a:r>
               <a:rPr lang="en-IT" dirty="0"/>
-              <a:t>If another executor has a lot of works still ongoing it send to the idle executor some of its jobs.</a:t>
+              <a:t>It notifies the others with a LEAVE_MESSAGE, then </a:t>
+            </a:r>
+            <a:r>
+              <a:rPr lang="en-GB" dirty="0"/>
+              <a:t>I</a:t>
+            </a:r>
+            <a:r>
+              <a:rPr lang="en-IT" dirty="0"/>
+              <a:t>t leaves</a:t>
             </a:r>
           </a:p>
         </p:txBody>
@@ -4358,7 +5131,7 @@
     </p:spTree>
     <p:extLst>
       <p:ext uri="{BB962C8B-B14F-4D97-AF65-F5344CB8AC3E}">
-        <p14:creationId xmlns:p14="http://schemas.microsoft.com/office/powerpoint/2010/main" val="478184463"/>
+        <p14:creationId xmlns:p14="http://schemas.microsoft.com/office/powerpoint/2010/main" val="2896727799"/>
       </p:ext>
     </p:extLst>
   </p:cSld>
@@ -4403,8 +5176,8 @@
         </p:nvSpPr>
         <p:spPr>
           <a:xfrm>
-            <a:off x="3706183" y="51373"/>
-            <a:ext cx="4779633" cy="1325563"/>
+            <a:off x="3108253" y="102742"/>
+            <a:ext cx="6131541" cy="1325563"/>
           </a:xfrm>
         </p:spPr>
         <p:txBody>
@@ -4415,7 +5188,7 @@
           <a:p>
             <a:r>
               <a:rPr lang="en-IT" dirty="0"/>
-              <a:t>Executor – Rejoining</a:t>
+              <a:t>Executor – Load balancing</a:t>
             </a:r>
           </a:p>
         </p:txBody>
@@ -4464,8 +5237,8 @@
         </p:nvSpPr>
         <p:spPr>
           <a:xfrm>
-            <a:off x="2485204" y="2512087"/>
-            <a:ext cx="1998324" cy="369332"/>
+            <a:off x="2698781" y="2512087"/>
+            <a:ext cx="1701006" cy="646331"/>
           </a:xfrm>
           <a:prstGeom prst="rect">
             <a:avLst/>
@@ -4480,7 +5253,7 @@
           <a:p>
             <a:r>
               <a:rPr lang="en-IT" dirty="0"/>
-              <a:t>Rejoining after exit:</a:t>
+              <a:t>New job arrives from the client:</a:t>
             </a:r>
           </a:p>
         </p:txBody>
@@ -4499,8 +5272,8 @@
         </p:nvSpPr>
         <p:spPr>
           <a:xfrm>
-            <a:off x="4483528" y="2512087"/>
-            <a:ext cx="6545513" cy="369332"/>
+            <a:off x="4550577" y="2512087"/>
+            <a:ext cx="6545513" cy="646331"/>
           </a:xfrm>
           <a:prstGeom prst="rect">
             <a:avLst/>
@@ -4515,17 +5288,17 @@
           <a:p>
             <a:r>
               <a:rPr lang="en-IT" dirty="0"/>
-              <a:t>Sends a JOIN_MESSAGE to one of the previously known executor.</a:t>
-            </a:r>
-          </a:p>
-        </p:txBody>
-      </p:sp>
-      <p:sp>
-        <p:nvSpPr>
-          <p:cNvPr id="10" name="TextBox 9">
-            <a:extLst>
-              <a:ext uri="{FF2B5EF4-FFF2-40B4-BE49-F238E27FC236}">
-                <a16:creationId xmlns:a16="http://schemas.microsoft.com/office/drawing/2014/main" id="{14B4CAFB-3199-8544-812D-0CBDCECBB1E1}"/>
+              <a:t>It elects the executor with the smallest number of jobs and sends to it a PROPOSE_MESSAGE asking it to execute the JOB </a:t>
+            </a:r>
+          </a:p>
+        </p:txBody>
+      </p:sp>
+      <p:sp>
+        <p:nvSpPr>
+          <p:cNvPr id="8" name="TextBox 7">
+            <a:extLst>
+              <a:ext uri="{FF2B5EF4-FFF2-40B4-BE49-F238E27FC236}">
+                <a16:creationId xmlns:a16="http://schemas.microsoft.com/office/drawing/2014/main" id="{CE57CE51-978D-4547-BE23-8A0B2EC920E0}"/>
               </a:ext>
             </a:extLst>
           </p:cNvPr>
@@ -4534,8 +5307,8 @@
         </p:nvSpPr>
         <p:spPr>
           <a:xfrm>
-            <a:off x="2244904" y="3367243"/>
-            <a:ext cx="2264310" cy="369332"/>
+            <a:off x="2698781" y="4105907"/>
+            <a:ext cx="1701006" cy="369332"/>
           </a:xfrm>
           <a:prstGeom prst="rect">
             <a:avLst/>
@@ -4550,17 +5323,17 @@
           <a:p>
             <a:r>
               <a:rPr lang="en-IT" dirty="0"/>
-              <a:t>Restarting after crash:</a:t>
-            </a:r>
-          </a:p>
-        </p:txBody>
-      </p:sp>
-      <p:sp>
-        <p:nvSpPr>
-          <p:cNvPr id="11" name="TextBox 10">
-            <a:extLst>
-              <a:ext uri="{FF2B5EF4-FFF2-40B4-BE49-F238E27FC236}">
-                <a16:creationId xmlns:a16="http://schemas.microsoft.com/office/drawing/2014/main" id="{B1C8CD3E-864B-B748-862F-FA8E1E4A58C3}"/>
+              <a:t>Jobs completed:</a:t>
+            </a:r>
+          </a:p>
+        </p:txBody>
+      </p:sp>
+      <p:sp>
+        <p:nvSpPr>
+          <p:cNvPr id="9" name="TextBox 8">
+            <a:extLst>
+              <a:ext uri="{FF2B5EF4-FFF2-40B4-BE49-F238E27FC236}">
+                <a16:creationId xmlns:a16="http://schemas.microsoft.com/office/drawing/2014/main" id="{B5CE874E-7C01-CD4E-9C4D-AFA30B29585B}"/>
               </a:ext>
             </a:extLst>
           </p:cNvPr>
@@ -4569,8 +5342,8 @@
         </p:nvSpPr>
         <p:spPr>
           <a:xfrm>
-            <a:off x="4509214" y="3367243"/>
-            <a:ext cx="6545513" cy="646331"/>
+            <a:off x="4550577" y="4105244"/>
+            <a:ext cx="6545513" cy="369332"/>
           </a:xfrm>
           <a:prstGeom prst="rect">
             <a:avLst/>
@@ -4585,7 +5358,84 @@
           <a:p>
             <a:r>
               <a:rPr lang="en-IT" dirty="0"/>
-              <a:t>Before rejoining the network it completes the uncompleted jobs and then sends a JOIN_MESSAGE.</a:t>
+              <a:t>It sends an UPDATE_MESSAGE notifying the new state.</a:t>
+            </a:r>
+          </a:p>
+        </p:txBody>
+      </p:sp>
+      <p:sp>
+        <p:nvSpPr>
+          <p:cNvPr id="10" name="TextBox 9">
+            <a:extLst>
+              <a:ext uri="{FF2B5EF4-FFF2-40B4-BE49-F238E27FC236}">
+                <a16:creationId xmlns:a16="http://schemas.microsoft.com/office/drawing/2014/main" id="{9B6CBABB-7409-364C-A0B9-1821604F2C48}"/>
+              </a:ext>
+            </a:extLst>
+          </p:cNvPr>
+          <p:cNvSpPr txBox="1"/>
+          <p:nvPr/>
+        </p:nvSpPr>
+        <p:spPr>
+          <a:xfrm>
+            <a:off x="2042426" y="3284809"/>
+            <a:ext cx="2264311" cy="646331"/>
+          </a:xfrm>
+          <a:prstGeom prst="rect">
+            <a:avLst/>
+          </a:prstGeom>
+          <a:noFill/>
+        </p:spPr>
+        <p:txBody>
+          <a:bodyPr wrap="square" rtlCol="0">
+            <a:spAutoFit/>
+          </a:bodyPr>
+          <a:lstStyle/>
+          <a:p>
+            <a:pPr algn="r"/>
+            <a:r>
+              <a:rPr lang="en-IT" dirty="0"/>
+              <a:t>New job arrives from another executor:</a:t>
+            </a:r>
+          </a:p>
+        </p:txBody>
+      </p:sp>
+      <p:sp>
+        <p:nvSpPr>
+          <p:cNvPr id="11" name="TextBox 10">
+            <a:extLst>
+              <a:ext uri="{FF2B5EF4-FFF2-40B4-BE49-F238E27FC236}">
+                <a16:creationId xmlns:a16="http://schemas.microsoft.com/office/drawing/2014/main" id="{5EAEAFD8-5BEB-7B42-B265-AF5E8C3C66C7}"/>
+              </a:ext>
+            </a:extLst>
+          </p:cNvPr>
+          <p:cNvSpPr txBox="1"/>
+          <p:nvPr/>
+        </p:nvSpPr>
+        <p:spPr>
+          <a:xfrm>
+            <a:off x="4550577" y="3284809"/>
+            <a:ext cx="6545513" cy="646331"/>
+          </a:xfrm>
+          <a:prstGeom prst="rect">
+            <a:avLst/>
+          </a:prstGeom>
+          <a:noFill/>
+        </p:spPr>
+        <p:txBody>
+          <a:bodyPr wrap="square" rtlCol="0">
+            <a:spAutoFit/>
+          </a:bodyPr>
+          <a:lstStyle/>
+          <a:p>
+            <a:r>
+              <a:rPr lang="en-IT" dirty="0"/>
+              <a:t>It adds the job to its internal queue. </a:t>
+            </a:r>
+          </a:p>
+          <a:p>
+            <a:r>
+              <a:rPr lang="en-IT" dirty="0"/>
+              <a:t>It notifies others about its new internal state.</a:t>
             </a:r>
           </a:p>
         </p:txBody>
@@ -4593,7 +5443,7 @@
     </p:spTree>
     <p:extLst>
       <p:ext uri="{BB962C8B-B14F-4D97-AF65-F5344CB8AC3E}">
-        <p14:creationId xmlns:p14="http://schemas.microsoft.com/office/powerpoint/2010/main" val="1772557088"/>
+        <p14:creationId xmlns:p14="http://schemas.microsoft.com/office/powerpoint/2010/main" val="478184463"/>
       </p:ext>
     </p:extLst>
   </p:cSld>
@@ -4638,8 +5488,8 @@
         </p:nvSpPr>
         <p:spPr>
           <a:xfrm>
-            <a:off x="2881363" y="92469"/>
-            <a:ext cx="6429273" cy="1325563"/>
+            <a:off x="3706183" y="51373"/>
+            <a:ext cx="4779633" cy="1325563"/>
           </a:xfrm>
         </p:spPr>
         <p:txBody>
@@ -4650,7 +5500,7 @@
           <a:p>
             <a:r>
               <a:rPr lang="en-IT" dirty="0"/>
-              <a:t>Executor – Result retrieving</a:t>
+              <a:t>Executor – Rejoining</a:t>
             </a:r>
           </a:p>
         </p:txBody>
@@ -4687,10 +5537,10 @@
       </p:pic>
       <p:sp>
         <p:nvSpPr>
-          <p:cNvPr id="5" name="TextBox 4">
-            <a:extLst>
-              <a:ext uri="{FF2B5EF4-FFF2-40B4-BE49-F238E27FC236}">
-                <a16:creationId xmlns:a16="http://schemas.microsoft.com/office/drawing/2014/main" id="{CAE9CC3F-5993-E44A-A737-ED787B16E3E8}"/>
+          <p:cNvPr id="10" name="TextBox 9">
+            <a:extLst>
+              <a:ext uri="{FF2B5EF4-FFF2-40B4-BE49-F238E27FC236}">
+                <a16:creationId xmlns:a16="http://schemas.microsoft.com/office/drawing/2014/main" id="{14B4CAFB-3199-8544-812D-0CBDCECBB1E1}"/>
               </a:ext>
             </a:extLst>
           </p:cNvPr>
@@ -4699,8 +5549,8 @@
         </p:nvSpPr>
         <p:spPr>
           <a:xfrm>
-            <a:off x="2426414" y="2373587"/>
-            <a:ext cx="2204377" cy="646331"/>
+            <a:off x="2396448" y="2997911"/>
+            <a:ext cx="2264310" cy="369332"/>
           </a:xfrm>
           <a:prstGeom prst="rect">
             <a:avLst/>
@@ -4715,17 +5565,17 @@
           <a:p>
             <a:r>
               <a:rPr lang="en-IT" dirty="0"/>
-              <a:t>Asked for a locally executed jobs:</a:t>
-            </a:r>
-          </a:p>
-        </p:txBody>
-      </p:sp>
-      <p:sp>
-        <p:nvSpPr>
-          <p:cNvPr id="6" name="TextBox 5">
-            <a:extLst>
-              <a:ext uri="{FF2B5EF4-FFF2-40B4-BE49-F238E27FC236}">
-                <a16:creationId xmlns:a16="http://schemas.microsoft.com/office/drawing/2014/main" id="{B833E278-3F8C-C74F-B412-EEEC43A20169}"/>
+              <a:t>Restarting after crash:</a:t>
+            </a:r>
+          </a:p>
+        </p:txBody>
+      </p:sp>
+      <p:sp>
+        <p:nvSpPr>
+          <p:cNvPr id="11" name="TextBox 10">
+            <a:extLst>
+              <a:ext uri="{FF2B5EF4-FFF2-40B4-BE49-F238E27FC236}">
+                <a16:creationId xmlns:a16="http://schemas.microsoft.com/office/drawing/2014/main" id="{B1C8CD3E-864B-B748-862F-FA8E1E4A58C3}"/>
               </a:ext>
             </a:extLst>
           </p:cNvPr>
@@ -4734,8 +5584,8 @@
         </p:nvSpPr>
         <p:spPr>
           <a:xfrm>
-            <a:off x="4509214" y="2373587"/>
-            <a:ext cx="6545513" cy="369332"/>
+            <a:off x="4660758" y="2859411"/>
+            <a:ext cx="6545513" cy="646331"/>
           </a:xfrm>
           <a:prstGeom prst="rect">
             <a:avLst/>
@@ -4750,83 +5600,7 @@
           <a:p>
             <a:r>
               <a:rPr lang="en-IT" dirty="0"/>
-              <a:t>Replies with the result, if completed, or the status, otherwise.</a:t>
-            </a:r>
-          </a:p>
-        </p:txBody>
-      </p:sp>
-      <p:sp>
-        <p:nvSpPr>
-          <p:cNvPr id="10" name="TextBox 9">
-            <a:extLst>
-              <a:ext uri="{FF2B5EF4-FFF2-40B4-BE49-F238E27FC236}">
-                <a16:creationId xmlns:a16="http://schemas.microsoft.com/office/drawing/2014/main" id="{14B4CAFB-3199-8544-812D-0CBDCECBB1E1}"/>
-              </a:ext>
-            </a:extLst>
-          </p:cNvPr>
-          <p:cNvSpPr txBox="1"/>
-          <p:nvPr/>
-        </p:nvSpPr>
-        <p:spPr>
-          <a:xfrm>
-            <a:off x="2244904" y="3367243"/>
-            <a:ext cx="2264310" cy="646331"/>
-          </a:xfrm>
-          <a:prstGeom prst="rect">
-            <a:avLst/>
-          </a:prstGeom>
-          <a:noFill/>
-        </p:spPr>
-        <p:txBody>
-          <a:bodyPr wrap="square" rtlCol="0">
-            <a:spAutoFit/>
-          </a:bodyPr>
-          <a:lstStyle/>
-          <a:p>
-            <a:r>
-              <a:rPr lang="en-IT" dirty="0"/>
-              <a:t>Asked for a not locally executed jobs :</a:t>
-            </a:r>
-          </a:p>
-        </p:txBody>
-      </p:sp>
-      <p:sp>
-        <p:nvSpPr>
-          <p:cNvPr id="11" name="TextBox 10">
-            <a:extLst>
-              <a:ext uri="{FF2B5EF4-FFF2-40B4-BE49-F238E27FC236}">
-                <a16:creationId xmlns:a16="http://schemas.microsoft.com/office/drawing/2014/main" id="{B1C8CD3E-864B-B748-862F-FA8E1E4A58C3}"/>
-              </a:ext>
-            </a:extLst>
-          </p:cNvPr>
-          <p:cNvSpPr txBox="1"/>
-          <p:nvPr/>
-        </p:nvSpPr>
-        <p:spPr>
-          <a:xfrm>
-            <a:off x="4509214" y="3367243"/>
-            <a:ext cx="6545513" cy="923330"/>
-          </a:xfrm>
-          <a:prstGeom prst="rect">
-            <a:avLst/>
-          </a:prstGeom>
-          <a:noFill/>
-        </p:spPr>
-        <p:txBody>
-          <a:bodyPr wrap="square" rtlCol="0">
-            <a:spAutoFit/>
-          </a:bodyPr>
-          <a:lstStyle/>
-          <a:p>
-            <a:r>
-              <a:rPr lang="en-IT" dirty="0"/>
-              <a:t>Request directly to the corresponding executor if it knows who has 	the result.</a:t>
-            </a:r>
-          </a:p>
-          <a:p>
-            <a:r>
-              <a:rPr lang="en-IT" dirty="0"/>
-              <a:t>Otherwise try to recursivly find the result, if it exists.</a:t>
+              <a:t>Before rejoining the network it completes the uncompleted jobs and then sends a JOIN_MESSAGE.</a:t>
             </a:r>
           </a:p>
         </p:txBody>
@@ -4834,7 +5608,7 @@
     </p:spTree>
     <p:extLst>
       <p:ext uri="{BB962C8B-B14F-4D97-AF65-F5344CB8AC3E}">
-        <p14:creationId xmlns:p14="http://schemas.microsoft.com/office/powerpoint/2010/main" val="977038950"/>
+        <p14:creationId xmlns:p14="http://schemas.microsoft.com/office/powerpoint/2010/main" val="1772557088"/>
       </p:ext>
     </p:extLst>
   </p:cSld>
@@ -4879,8 +5653,8 @@
         </p:nvSpPr>
         <p:spPr>
           <a:xfrm>
-            <a:off x="5343149" y="107881"/>
-            <a:ext cx="1505702" cy="1325563"/>
+            <a:off x="2881363" y="92469"/>
+            <a:ext cx="6429273" cy="1325563"/>
           </a:xfrm>
         </p:spPr>
         <p:txBody>
@@ -4891,87 +5665,17 @@
           <a:p>
             <a:r>
               <a:rPr lang="en-IT" dirty="0"/>
-              <a:t>Client</a:t>
-            </a:r>
-          </a:p>
-        </p:txBody>
-      </p:sp>
-      <p:sp>
-        <p:nvSpPr>
-          <p:cNvPr id="5" name="TextBox 4">
-            <a:extLst>
-              <a:ext uri="{FF2B5EF4-FFF2-40B4-BE49-F238E27FC236}">
-                <a16:creationId xmlns:a16="http://schemas.microsoft.com/office/drawing/2014/main" id="{CAE9CC3F-5993-E44A-A737-ED787B16E3E8}"/>
-              </a:ext>
-            </a:extLst>
-          </p:cNvPr>
-          <p:cNvSpPr txBox="1"/>
-          <p:nvPr/>
-        </p:nvSpPr>
-        <p:spPr>
-          <a:xfrm>
-            <a:off x="3685284" y="2861610"/>
-            <a:ext cx="1155020" cy="369332"/>
-          </a:xfrm>
-          <a:prstGeom prst="rect">
-            <a:avLst/>
-          </a:prstGeom>
-          <a:noFill/>
-        </p:spPr>
-        <p:txBody>
-          <a:bodyPr wrap="square" rtlCol="0">
-            <a:spAutoFit/>
-          </a:bodyPr>
-          <a:lstStyle/>
-          <a:p>
-            <a:r>
-              <a:rPr lang="en-IT" dirty="0"/>
-              <a:t>Send jobs:</a:t>
-            </a:r>
-          </a:p>
-        </p:txBody>
-      </p:sp>
-      <p:sp>
-        <p:nvSpPr>
-          <p:cNvPr id="6" name="TextBox 5">
-            <a:extLst>
-              <a:ext uri="{FF2B5EF4-FFF2-40B4-BE49-F238E27FC236}">
-                <a16:creationId xmlns:a16="http://schemas.microsoft.com/office/drawing/2014/main" id="{B833E278-3F8C-C74F-B412-EEEC43A20169}"/>
-              </a:ext>
-            </a:extLst>
-          </p:cNvPr>
-          <p:cNvSpPr txBox="1"/>
-          <p:nvPr/>
-        </p:nvSpPr>
-        <p:spPr>
-          <a:xfrm>
-            <a:off x="4817440" y="2861610"/>
-            <a:ext cx="3720386" cy="369332"/>
-          </a:xfrm>
-          <a:prstGeom prst="rect">
-            <a:avLst/>
-          </a:prstGeom>
-          <a:noFill/>
-        </p:spPr>
-        <p:txBody>
-          <a:bodyPr wrap="square" rtlCol="0">
-            <a:spAutoFit/>
-          </a:bodyPr>
-          <a:lstStyle/>
-          <a:p>
-            <a:r>
-              <a:rPr lang="en-IT" dirty="0"/>
-              <a:t>Sends jobs to the connected executor</a:t>
+              <a:t>Executor – Result retrieving</a:t>
             </a:r>
           </a:p>
         </p:txBody>
       </p:sp>
       <p:pic>
         <p:nvPicPr>
-          <p:cNvPr id="8" name="Picture 7" descr="A picture containing electronics&#10;&#10;Description automatically generated">
-            <a:extLst>
-              <a:ext uri="{FF2B5EF4-FFF2-40B4-BE49-F238E27FC236}">
-                <a16:creationId xmlns:a16="http://schemas.microsoft.com/office/drawing/2014/main" id="{F28F9366-F132-284A-BBCC-2B4B19E7DD4F}"/>
+          <p:cNvPr id="4" name="Picture 3" descr="A picture containing sitting, table, white, room&#10;&#10;Description automatically generated">
+            <a:extLst>
+              <a:ext uri="{FF2B5EF4-FFF2-40B4-BE49-F238E27FC236}">
+                <a16:creationId xmlns:a16="http://schemas.microsoft.com/office/drawing/2014/main" id="{566CCD60-DA35-9B46-BA80-289365C54083}"/>
               </a:ext>
             </a:extLst>
           </p:cNvPr>
@@ -4981,27 +5685,15 @@
           <p:nvPr/>
         </p:nvPicPr>
         <p:blipFill>
-          <a:blip r:embed="rId2">
-            <a:extLst>
-              <a:ext uri="{BEBA8EAE-BF5A-486C-A8C5-ECC9F3942E4B}">
-                <a14:imgProps xmlns:a14="http://schemas.microsoft.com/office/drawing/2010/main">
-                  <a14:imgLayer r:embed="rId3">
-                    <a14:imgEffect>
-                      <a14:backgroundRemoval t="10000" b="90000" l="10000" r="90000"/>
-                    </a14:imgEffect>
-                  </a14:imgLayer>
-                </a14:imgProps>
-              </a:ext>
-            </a:extLst>
-          </a:blip>
+          <a:blip r:embed="rId2"/>
           <a:stretch>
             <a:fillRect/>
           </a:stretch>
         </p:blipFill>
         <p:spPr>
           <a:xfrm>
-            <a:off x="667248" y="2422897"/>
-            <a:ext cx="2008171" cy="2012205"/>
+            <a:off x="283681" y="2026263"/>
+            <a:ext cx="2264310" cy="2264310"/>
           </a:xfrm>
           <a:prstGeom prst="rect">
             <a:avLst/>
@@ -5010,10 +5702,10 @@
       </p:pic>
       <p:sp>
         <p:nvSpPr>
-          <p:cNvPr id="9" name="TextBox 8">
-            <a:extLst>
-              <a:ext uri="{FF2B5EF4-FFF2-40B4-BE49-F238E27FC236}">
-                <a16:creationId xmlns:a16="http://schemas.microsoft.com/office/drawing/2014/main" id="{956FC5C2-DB4D-6A46-BBCC-5BAAAB87F717}"/>
+          <p:cNvPr id="5" name="TextBox 4">
+            <a:extLst>
+              <a:ext uri="{FF2B5EF4-FFF2-40B4-BE49-F238E27FC236}">
+                <a16:creationId xmlns:a16="http://schemas.microsoft.com/office/drawing/2014/main" id="{CAE9CC3F-5993-E44A-A737-ED787B16E3E8}"/>
               </a:ext>
             </a:extLst>
           </p:cNvPr>
@@ -5022,8 +5714,8 @@
         </p:nvSpPr>
         <p:spPr>
           <a:xfrm>
-            <a:off x="3241497" y="3435250"/>
-            <a:ext cx="1598807" cy="369332"/>
+            <a:off x="2426414" y="2373587"/>
+            <a:ext cx="2204377" cy="646331"/>
           </a:xfrm>
           <a:prstGeom prst="rect">
             <a:avLst/>
@@ -5038,17 +5730,17 @@
           <a:p>
             <a:r>
               <a:rPr lang="en-IT" dirty="0"/>
-              <a:t>Retrieve result:</a:t>
-            </a:r>
-          </a:p>
-        </p:txBody>
-      </p:sp>
-      <p:sp>
-        <p:nvSpPr>
-          <p:cNvPr id="12" name="TextBox 11">
-            <a:extLst>
-              <a:ext uri="{FF2B5EF4-FFF2-40B4-BE49-F238E27FC236}">
-                <a16:creationId xmlns:a16="http://schemas.microsoft.com/office/drawing/2014/main" id="{CAA798CB-7190-A044-A769-30EB2895BD86}"/>
+              <a:t>Asked for a locally executed jobs:</a:t>
+            </a:r>
+          </a:p>
+        </p:txBody>
+      </p:sp>
+      <p:sp>
+        <p:nvSpPr>
+          <p:cNvPr id="6" name="TextBox 5">
+            <a:extLst>
+              <a:ext uri="{FF2B5EF4-FFF2-40B4-BE49-F238E27FC236}">
+                <a16:creationId xmlns:a16="http://schemas.microsoft.com/office/drawing/2014/main" id="{B833E278-3F8C-C74F-B412-EEEC43A20169}"/>
               </a:ext>
             </a:extLst>
           </p:cNvPr>
@@ -5057,8 +5749,8 @@
         </p:nvSpPr>
         <p:spPr>
           <a:xfrm>
-            <a:off x="4817440" y="3435250"/>
-            <a:ext cx="4583414" cy="369332"/>
+            <a:off x="4509214" y="2373587"/>
+            <a:ext cx="6545513" cy="369332"/>
           </a:xfrm>
           <a:prstGeom prst="rect">
             <a:avLst/>
@@ -5073,7 +5765,77 @@
           <a:p>
             <a:r>
               <a:rPr lang="en-IT" dirty="0"/>
-              <a:t>Sends a job request to the connected executor</a:t>
+              <a:t>It replies with the result, if completed, or the status, otherwise.</a:t>
+            </a:r>
+          </a:p>
+        </p:txBody>
+      </p:sp>
+      <p:sp>
+        <p:nvSpPr>
+          <p:cNvPr id="10" name="TextBox 9">
+            <a:extLst>
+              <a:ext uri="{FF2B5EF4-FFF2-40B4-BE49-F238E27FC236}">
+                <a16:creationId xmlns:a16="http://schemas.microsoft.com/office/drawing/2014/main" id="{14B4CAFB-3199-8544-812D-0CBDCECBB1E1}"/>
+              </a:ext>
+            </a:extLst>
+          </p:cNvPr>
+          <p:cNvSpPr txBox="1"/>
+          <p:nvPr/>
+        </p:nvSpPr>
+        <p:spPr>
+          <a:xfrm>
+            <a:off x="2244904" y="3367243"/>
+            <a:ext cx="2264310" cy="646331"/>
+          </a:xfrm>
+          <a:prstGeom prst="rect">
+            <a:avLst/>
+          </a:prstGeom>
+          <a:noFill/>
+        </p:spPr>
+        <p:txBody>
+          <a:bodyPr wrap="square" rtlCol="0">
+            <a:spAutoFit/>
+          </a:bodyPr>
+          <a:lstStyle/>
+          <a:p>
+            <a:r>
+              <a:rPr lang="en-IT" dirty="0"/>
+              <a:t>Asked for a not locally executed jobs :</a:t>
+            </a:r>
+          </a:p>
+        </p:txBody>
+      </p:sp>
+      <p:sp>
+        <p:nvSpPr>
+          <p:cNvPr id="11" name="TextBox 10">
+            <a:extLst>
+              <a:ext uri="{FF2B5EF4-FFF2-40B4-BE49-F238E27FC236}">
+                <a16:creationId xmlns:a16="http://schemas.microsoft.com/office/drawing/2014/main" id="{B1C8CD3E-864B-B748-862F-FA8E1E4A58C3}"/>
+              </a:ext>
+            </a:extLst>
+          </p:cNvPr>
+          <p:cNvSpPr txBox="1"/>
+          <p:nvPr/>
+        </p:nvSpPr>
+        <p:spPr>
+          <a:xfrm>
+            <a:off x="4509214" y="3367243"/>
+            <a:ext cx="6545513" cy="923330"/>
+          </a:xfrm>
+          <a:prstGeom prst="rect">
+            <a:avLst/>
+          </a:prstGeom>
+          <a:noFill/>
+        </p:spPr>
+        <p:txBody>
+          <a:bodyPr wrap="square" rtlCol="0">
+            <a:spAutoFit/>
+          </a:bodyPr>
+          <a:lstStyle/>
+          <a:p>
+            <a:r>
+              <a:rPr lang="en-IT" dirty="0"/>
+              <a:t>It requests directly to the corresponding executor if it knows who has the result. Otherwise it tries to recursivly find the result, if it exists.</a:t>
             </a:r>
           </a:p>
         </p:txBody>
@@ -5081,7 +5843,7 @@
     </p:spTree>
     <p:extLst>
       <p:ext uri="{BB962C8B-B14F-4D97-AF65-F5344CB8AC3E}">
-        <p14:creationId xmlns:p14="http://schemas.microsoft.com/office/powerpoint/2010/main" val="1088665226"/>
+        <p14:creationId xmlns:p14="http://schemas.microsoft.com/office/powerpoint/2010/main" val="977038950"/>
       </p:ext>
     </p:extLst>
   </p:cSld>
@@ -5108,12 +5870,117 @@
           <a:chExt cx="0" cy="0"/>
         </a:xfrm>
       </p:grpSpPr>
+      <p:sp>
+        <p:nvSpPr>
+          <p:cNvPr id="2" name="Title 1">
+            <a:extLst>
+              <a:ext uri="{FF2B5EF4-FFF2-40B4-BE49-F238E27FC236}">
+                <a16:creationId xmlns:a16="http://schemas.microsoft.com/office/drawing/2014/main" id="{DDAF157A-9727-2645-ABE1-3DC183D5F79A}"/>
+              </a:ext>
+            </a:extLst>
+          </p:cNvPr>
+          <p:cNvSpPr>
+            <a:spLocks noGrp="1"/>
+          </p:cNvSpPr>
+          <p:nvPr>
+            <p:ph type="title"/>
+          </p:nvPr>
+        </p:nvSpPr>
+        <p:spPr>
+          <a:xfrm>
+            <a:off x="5343149" y="107881"/>
+            <a:ext cx="1505702" cy="1325563"/>
+          </a:xfrm>
+        </p:spPr>
+        <p:txBody>
+          <a:bodyPr>
+            <a:normAutofit/>
+          </a:bodyPr>
+          <a:lstStyle/>
+          <a:p>
+            <a:r>
+              <a:rPr lang="en-IT" dirty="0"/>
+              <a:t>Client</a:t>
+            </a:r>
+          </a:p>
+        </p:txBody>
+      </p:sp>
+      <p:sp>
+        <p:nvSpPr>
+          <p:cNvPr id="5" name="TextBox 4">
+            <a:extLst>
+              <a:ext uri="{FF2B5EF4-FFF2-40B4-BE49-F238E27FC236}">
+                <a16:creationId xmlns:a16="http://schemas.microsoft.com/office/drawing/2014/main" id="{CAE9CC3F-5993-E44A-A737-ED787B16E3E8}"/>
+              </a:ext>
+            </a:extLst>
+          </p:cNvPr>
+          <p:cNvSpPr txBox="1"/>
+          <p:nvPr/>
+        </p:nvSpPr>
+        <p:spPr>
+          <a:xfrm>
+            <a:off x="3685284" y="2861610"/>
+            <a:ext cx="1155020" cy="369332"/>
+          </a:xfrm>
+          <a:prstGeom prst="rect">
+            <a:avLst/>
+          </a:prstGeom>
+          <a:noFill/>
+        </p:spPr>
+        <p:txBody>
+          <a:bodyPr wrap="square" rtlCol="0">
+            <a:spAutoFit/>
+          </a:bodyPr>
+          <a:lstStyle/>
+          <a:p>
+            <a:r>
+              <a:rPr lang="en-IT" dirty="0"/>
+              <a:t>Send jobs:</a:t>
+            </a:r>
+          </a:p>
+        </p:txBody>
+      </p:sp>
+      <p:sp>
+        <p:nvSpPr>
+          <p:cNvPr id="6" name="TextBox 5">
+            <a:extLst>
+              <a:ext uri="{FF2B5EF4-FFF2-40B4-BE49-F238E27FC236}">
+                <a16:creationId xmlns:a16="http://schemas.microsoft.com/office/drawing/2014/main" id="{B833E278-3F8C-C74F-B412-EEEC43A20169}"/>
+              </a:ext>
+            </a:extLst>
+          </p:cNvPr>
+          <p:cNvSpPr txBox="1"/>
+          <p:nvPr/>
+        </p:nvSpPr>
+        <p:spPr>
+          <a:xfrm>
+            <a:off x="4817440" y="2861610"/>
+            <a:ext cx="3720386" cy="369332"/>
+          </a:xfrm>
+          <a:prstGeom prst="rect">
+            <a:avLst/>
+          </a:prstGeom>
+          <a:noFill/>
+        </p:spPr>
+        <p:txBody>
+          <a:bodyPr wrap="square" rtlCol="0">
+            <a:spAutoFit/>
+          </a:bodyPr>
+          <a:lstStyle/>
+          <a:p>
+            <a:r>
+              <a:rPr lang="en-IT" dirty="0"/>
+              <a:t>Sends jobs to the connected executor</a:t>
+            </a:r>
+          </a:p>
+        </p:txBody>
+      </p:sp>
       <p:pic>
         <p:nvPicPr>
-          <p:cNvPr id="7" name="Picture 6" descr="A picture containing sitting, table, white, room&#10;&#10;Description automatically generated">
-            <a:extLst>
-              <a:ext uri="{FF2B5EF4-FFF2-40B4-BE49-F238E27FC236}">
-                <a16:creationId xmlns:a16="http://schemas.microsoft.com/office/drawing/2014/main" id="{A4380705-C7FE-3642-9798-E9CFD7ABD896}"/>
+          <p:cNvPr id="8" name="Picture 7" descr="A picture containing electronics&#10;&#10;Description automatically generated">
+            <a:extLst>
+              <a:ext uri="{FF2B5EF4-FFF2-40B4-BE49-F238E27FC236}">
+                <a16:creationId xmlns:a16="http://schemas.microsoft.com/office/drawing/2014/main" id="{F28F9366-F132-284A-BBCC-2B4B19E7DD4F}"/>
               </a:ext>
             </a:extLst>
           </p:cNvPr>
@@ -5123,101 +5990,11 @@
           <p:nvPr/>
         </p:nvPicPr>
         <p:blipFill>
-          <a:blip r:embed="rId2"/>
-          <a:stretch>
-            <a:fillRect/>
-          </a:stretch>
-        </p:blipFill>
-        <p:spPr>
-          <a:xfrm>
-            <a:off x="5754670" y="1422971"/>
-            <a:ext cx="1345629" cy="1345629"/>
-          </a:xfrm>
-          <a:prstGeom prst="rect">
-            <a:avLst/>
-          </a:prstGeom>
-        </p:spPr>
-      </p:pic>
-      <p:pic>
-        <p:nvPicPr>
-          <p:cNvPr id="8" name="Picture 7" descr="A picture containing sitting, table, white, room&#10;&#10;Description automatically generated">
-            <a:extLst>
-              <a:ext uri="{FF2B5EF4-FFF2-40B4-BE49-F238E27FC236}">
-                <a16:creationId xmlns:a16="http://schemas.microsoft.com/office/drawing/2014/main" id="{A3BB506A-F4BD-3F47-AF2E-EE3EFEC12533}"/>
-              </a:ext>
-            </a:extLst>
-          </p:cNvPr>
-          <p:cNvPicPr>
-            <a:picLocks noChangeAspect="1"/>
-          </p:cNvPicPr>
-          <p:nvPr/>
-        </p:nvPicPr>
-        <p:blipFill>
-          <a:blip r:embed="rId2"/>
-          <a:stretch>
-            <a:fillRect/>
-          </a:stretch>
-        </p:blipFill>
-        <p:spPr>
-          <a:xfrm>
-            <a:off x="9071511" y="1422971"/>
-            <a:ext cx="1345629" cy="1345629"/>
-          </a:xfrm>
-          <a:prstGeom prst="rect">
-            <a:avLst/>
-          </a:prstGeom>
-        </p:spPr>
-      </p:pic>
-      <p:pic>
-        <p:nvPicPr>
-          <p:cNvPr id="9" name="Picture 8" descr="A picture containing sitting, table, white, room&#10;&#10;Description automatically generated">
-            <a:extLst>
-              <a:ext uri="{FF2B5EF4-FFF2-40B4-BE49-F238E27FC236}">
-                <a16:creationId xmlns:a16="http://schemas.microsoft.com/office/drawing/2014/main" id="{981B5F25-A5D4-1449-A5CC-911824EDBFF6}"/>
-              </a:ext>
-            </a:extLst>
-          </p:cNvPr>
-          <p:cNvPicPr>
-            <a:picLocks noChangeAspect="1"/>
-          </p:cNvPicPr>
-          <p:nvPr/>
-        </p:nvPicPr>
-        <p:blipFill>
-          <a:blip r:embed="rId2"/>
-          <a:stretch>
-            <a:fillRect/>
-          </a:stretch>
-        </p:blipFill>
-        <p:spPr>
-          <a:xfrm>
-            <a:off x="7495854" y="4385354"/>
-            <a:ext cx="1345629" cy="1345629"/>
-          </a:xfrm>
-          <a:prstGeom prst="rect">
-            <a:avLst/>
-          </a:prstGeom>
-        </p:spPr>
-      </p:pic>
-      <p:pic>
-        <p:nvPicPr>
-          <p:cNvPr id="11" name="Picture 10" descr="A picture containing electronics&#10;&#10;Description automatically generated">
-            <a:extLst>
-              <a:ext uri="{FF2B5EF4-FFF2-40B4-BE49-F238E27FC236}">
-                <a16:creationId xmlns:a16="http://schemas.microsoft.com/office/drawing/2014/main" id="{23D47A5A-1154-0D4A-8E80-ABAB6DCE0630}"/>
-              </a:ext>
-            </a:extLst>
-          </p:cNvPr>
-          <p:cNvPicPr>
-            <a:picLocks noChangeAspect="1"/>
-          </p:cNvPicPr>
-          <p:nvPr/>
-        </p:nvPicPr>
-        <p:blipFill>
-          <a:blip r:embed="rId3">
+          <a:blip r:embed="rId2">
             <a:extLst>
               <a:ext uri="{BEBA8EAE-BF5A-486C-A8C5-ECC9F3942E4B}">
                 <a14:imgProps xmlns:a14="http://schemas.microsoft.com/office/drawing/2010/main">
-                  <a14:imgLayer r:embed="rId4">
+                  <a14:imgLayer r:embed="rId3">
                     <a14:imgEffect>
                       <a14:backgroundRemoval t="10000" b="90000" l="10000" r="90000"/>
                     </a14:imgEffect>
@@ -5232,1068 +6009,94 @@
         </p:blipFill>
         <p:spPr>
           <a:xfrm>
-            <a:off x="997020" y="2472864"/>
-            <a:ext cx="1155019" cy="1157339"/>
+            <a:off x="667248" y="2422897"/>
+            <a:ext cx="2008171" cy="2012205"/>
           </a:xfrm>
           <a:prstGeom prst="rect">
             <a:avLst/>
           </a:prstGeom>
         </p:spPr>
       </p:pic>
-      <p:grpSp>
-        <p:nvGrpSpPr>
-          <p:cNvPr id="16" name="Group 15">
-            <a:extLst>
-              <a:ext uri="{FF2B5EF4-FFF2-40B4-BE49-F238E27FC236}">
-                <a16:creationId xmlns:a16="http://schemas.microsoft.com/office/drawing/2014/main" id="{B50B7540-81A4-9645-B406-BDE743CC4BA5}"/>
-              </a:ext>
-            </a:extLst>
-          </p:cNvPr>
-          <p:cNvGrpSpPr/>
+      <p:sp>
+        <p:nvSpPr>
+          <p:cNvPr id="9" name="TextBox 8">
+            <a:extLst>
+              <a:ext uri="{FF2B5EF4-FFF2-40B4-BE49-F238E27FC236}">
+                <a16:creationId xmlns:a16="http://schemas.microsoft.com/office/drawing/2014/main" id="{956FC5C2-DB4D-6A46-BBCC-5BAAAB87F717}"/>
+              </a:ext>
+            </a:extLst>
+          </p:cNvPr>
+          <p:cNvSpPr txBox="1"/>
           <p:nvPr/>
-        </p:nvGrpSpPr>
-        <p:grpSpPr>
-          <a:xfrm>
-            <a:off x="7362290" y="3734656"/>
-            <a:ext cx="1006484" cy="934592"/>
-            <a:chOff x="7100299" y="3760341"/>
-            <a:chExt cx="1006484" cy="934592"/>
-          </a:xfrm>
-        </p:grpSpPr>
-        <p:pic>
-          <p:nvPicPr>
-            <p:cNvPr id="13" name="Picture 12" descr="A close up of a logo&#10;&#10;Description automatically generated">
-              <a:extLst>
-                <a:ext uri="{FF2B5EF4-FFF2-40B4-BE49-F238E27FC236}">
-                  <a16:creationId xmlns:a16="http://schemas.microsoft.com/office/drawing/2014/main" id="{C3E7DAAB-2A16-7C4C-9F9E-865E8B730642}"/>
-                </a:ext>
-              </a:extLst>
-            </p:cNvPr>
-            <p:cNvPicPr>
-              <a:picLocks noChangeAspect="1"/>
-            </p:cNvPicPr>
-            <p:nvPr/>
-          </p:nvPicPr>
-          <p:blipFill>
-            <a:blip r:embed="rId5"/>
-            <a:stretch>
-              <a:fillRect/>
-            </a:stretch>
-          </p:blipFill>
-          <p:spPr>
-            <a:xfrm>
-              <a:off x="7100299" y="3760341"/>
-              <a:ext cx="1006484" cy="934592"/>
-            </a:xfrm>
-            <a:prstGeom prst="rect">
-              <a:avLst/>
-            </a:prstGeom>
-          </p:spPr>
-        </p:pic>
-        <p:sp>
-          <p:nvSpPr>
-            <p:cNvPr id="15" name="TextBox 14">
-              <a:extLst>
-                <a:ext uri="{FF2B5EF4-FFF2-40B4-BE49-F238E27FC236}">
-                  <a16:creationId xmlns:a16="http://schemas.microsoft.com/office/drawing/2014/main" id="{FC325F03-EF92-5E45-9AF4-129746551589}"/>
-                </a:ext>
-              </a:extLst>
-            </p:cNvPr>
-            <p:cNvSpPr txBox="1"/>
-            <p:nvPr/>
-          </p:nvSpPr>
-          <p:spPr>
-            <a:xfrm>
-              <a:off x="7294802" y="3888182"/>
-              <a:ext cx="617477" cy="369332"/>
-            </a:xfrm>
-            <a:prstGeom prst="rect">
-              <a:avLst/>
-            </a:prstGeom>
-            <a:noFill/>
-          </p:spPr>
-          <p:txBody>
-            <a:bodyPr wrap="none" rtlCol="0">
-              <a:spAutoFit/>
-            </a:bodyPr>
-            <a:lstStyle/>
-            <a:p>
-              <a:r>
-                <a:rPr lang="en-IT" dirty="0"/>
-                <a:t>JOIN</a:t>
-              </a:r>
-            </a:p>
-          </p:txBody>
-        </p:sp>
-      </p:grpSp>
-      <p:grpSp>
-        <p:nvGrpSpPr>
-          <p:cNvPr id="17" name="Group 16">
-            <a:extLst>
-              <a:ext uri="{FF2B5EF4-FFF2-40B4-BE49-F238E27FC236}">
-                <a16:creationId xmlns:a16="http://schemas.microsoft.com/office/drawing/2014/main" id="{FA9846F2-8EC1-6245-BAFB-7F0741E96469}"/>
-              </a:ext>
-            </a:extLst>
-          </p:cNvPr>
-          <p:cNvGrpSpPr/>
-          <p:nvPr/>
-        </p:nvGrpSpPr>
-        <p:grpSpPr>
-          <a:xfrm>
-            <a:off x="8968484" y="794534"/>
-            <a:ext cx="1006484" cy="934592"/>
-            <a:chOff x="7100299" y="3760341"/>
-            <a:chExt cx="1006484" cy="934592"/>
-          </a:xfrm>
-        </p:grpSpPr>
-        <p:pic>
-          <p:nvPicPr>
-            <p:cNvPr id="18" name="Picture 17" descr="A close up of a logo&#10;&#10;Description automatically generated">
-              <a:extLst>
-                <a:ext uri="{FF2B5EF4-FFF2-40B4-BE49-F238E27FC236}">
-                  <a16:creationId xmlns:a16="http://schemas.microsoft.com/office/drawing/2014/main" id="{292783F3-9095-664E-B5F3-7FC863477BFB}"/>
-                </a:ext>
-              </a:extLst>
-            </p:cNvPr>
-            <p:cNvPicPr>
-              <a:picLocks noChangeAspect="1"/>
-            </p:cNvPicPr>
-            <p:nvPr/>
-          </p:nvPicPr>
-          <p:blipFill>
-            <a:blip r:embed="rId5"/>
-            <a:stretch>
-              <a:fillRect/>
-            </a:stretch>
-          </p:blipFill>
-          <p:spPr>
-            <a:xfrm>
-              <a:off x="7100299" y="3760341"/>
-              <a:ext cx="1006484" cy="934592"/>
-            </a:xfrm>
-            <a:prstGeom prst="rect">
-              <a:avLst/>
-            </a:prstGeom>
-          </p:spPr>
-        </p:pic>
-        <p:sp>
-          <p:nvSpPr>
-            <p:cNvPr id="19" name="TextBox 18">
-              <a:extLst>
-                <a:ext uri="{FF2B5EF4-FFF2-40B4-BE49-F238E27FC236}">
-                  <a16:creationId xmlns:a16="http://schemas.microsoft.com/office/drawing/2014/main" id="{EDAAE3A6-6266-5747-9BC1-D72B7B87A595}"/>
-                </a:ext>
-              </a:extLst>
-            </p:cNvPr>
-            <p:cNvSpPr txBox="1"/>
-            <p:nvPr/>
-          </p:nvSpPr>
-          <p:spPr>
-            <a:xfrm>
-              <a:off x="7294802" y="3888182"/>
-              <a:ext cx="617477" cy="369332"/>
-            </a:xfrm>
-            <a:prstGeom prst="rect">
-              <a:avLst/>
-            </a:prstGeom>
-            <a:noFill/>
-          </p:spPr>
-          <p:txBody>
-            <a:bodyPr wrap="none" rtlCol="0">
-              <a:spAutoFit/>
-            </a:bodyPr>
-            <a:lstStyle/>
-            <a:p>
-              <a:r>
-                <a:rPr lang="en-IT" dirty="0"/>
-                <a:t>JOIN</a:t>
-              </a:r>
-            </a:p>
-          </p:txBody>
-        </p:sp>
-      </p:grpSp>
-      <p:grpSp>
-        <p:nvGrpSpPr>
-          <p:cNvPr id="21" name="Group 20">
-            <a:extLst>
-              <a:ext uri="{FF2B5EF4-FFF2-40B4-BE49-F238E27FC236}">
-                <a16:creationId xmlns:a16="http://schemas.microsoft.com/office/drawing/2014/main" id="{35DF0319-4C48-9541-8287-7B074FDDC129}"/>
-              </a:ext>
-            </a:extLst>
-          </p:cNvPr>
-          <p:cNvGrpSpPr/>
-          <p:nvPr/>
-        </p:nvGrpSpPr>
-        <p:grpSpPr>
-          <a:xfrm>
-            <a:off x="8968484" y="794534"/>
-            <a:ext cx="1006484" cy="934592"/>
-            <a:chOff x="7100299" y="3760341"/>
-            <a:chExt cx="1006484" cy="934592"/>
-          </a:xfrm>
-        </p:grpSpPr>
-        <p:pic>
-          <p:nvPicPr>
-            <p:cNvPr id="22" name="Picture 21" descr="A close up of a logo&#10;&#10;Description automatically generated">
-              <a:extLst>
-                <a:ext uri="{FF2B5EF4-FFF2-40B4-BE49-F238E27FC236}">
-                  <a16:creationId xmlns:a16="http://schemas.microsoft.com/office/drawing/2014/main" id="{AA7526E5-B049-354D-9D01-0E6B2AC1C617}"/>
-                </a:ext>
-              </a:extLst>
-            </p:cNvPr>
-            <p:cNvPicPr>
-              <a:picLocks noChangeAspect="1"/>
-            </p:cNvPicPr>
-            <p:nvPr/>
-          </p:nvPicPr>
-          <p:blipFill>
-            <a:blip r:embed="rId5"/>
-            <a:stretch>
-              <a:fillRect/>
-            </a:stretch>
-          </p:blipFill>
-          <p:spPr>
-            <a:xfrm>
-              <a:off x="7100299" y="3760341"/>
-              <a:ext cx="1006484" cy="934592"/>
-            </a:xfrm>
-            <a:prstGeom prst="rect">
-              <a:avLst/>
-            </a:prstGeom>
-          </p:spPr>
-        </p:pic>
-        <p:sp>
-          <p:nvSpPr>
-            <p:cNvPr id="23" name="TextBox 22">
-              <a:extLst>
-                <a:ext uri="{FF2B5EF4-FFF2-40B4-BE49-F238E27FC236}">
-                  <a16:creationId xmlns:a16="http://schemas.microsoft.com/office/drawing/2014/main" id="{E0FA41FC-14C0-8141-BED8-36322FA5920C}"/>
-                </a:ext>
-              </a:extLst>
-            </p:cNvPr>
-            <p:cNvSpPr txBox="1"/>
-            <p:nvPr/>
-          </p:nvSpPr>
-          <p:spPr>
-            <a:xfrm>
-              <a:off x="7294802" y="3888182"/>
-              <a:ext cx="617477" cy="369332"/>
-            </a:xfrm>
-            <a:prstGeom prst="rect">
-              <a:avLst/>
-            </a:prstGeom>
-            <a:noFill/>
-          </p:spPr>
-          <p:txBody>
-            <a:bodyPr wrap="none" rtlCol="0">
-              <a:spAutoFit/>
-            </a:bodyPr>
-            <a:lstStyle/>
-            <a:p>
-              <a:r>
-                <a:rPr lang="en-IT" dirty="0"/>
-                <a:t>JOIN</a:t>
-              </a:r>
-            </a:p>
-          </p:txBody>
-        </p:sp>
-      </p:grpSp>
-      <p:cxnSp>
-        <p:nvCxnSpPr>
-          <p:cNvPr id="26" name="Straight Arrow Connector 25">
-            <a:extLst>
-              <a:ext uri="{FF2B5EF4-FFF2-40B4-BE49-F238E27FC236}">
-                <a16:creationId xmlns:a16="http://schemas.microsoft.com/office/drawing/2014/main" id="{BD8158E4-6674-9F4B-8347-E30411A70A3C}"/>
-              </a:ext>
-            </a:extLst>
-          </p:cNvPr>
-          <p:cNvCxnSpPr>
-            <a:cxnSpLocks/>
-          </p:cNvCxnSpPr>
-          <p:nvPr/>
-        </p:nvCxnSpPr>
-        <p:spPr>
-          <a:xfrm>
-            <a:off x="6775807" y="2095785"/>
-            <a:ext cx="2609636" cy="0"/>
-          </a:xfrm>
-          <a:prstGeom prst="straightConnector1">
+        </p:nvSpPr>
+        <p:spPr>
+          <a:xfrm>
+            <a:off x="3241497" y="3435250"/>
+            <a:ext cx="1598807" cy="369332"/>
+          </a:xfrm>
+          <a:prstGeom prst="rect">
             <a:avLst/>
           </a:prstGeom>
-          <a:ln w="12700">
-            <a:solidFill>
-              <a:schemeClr val="tx1"/>
-            </a:solidFill>
-            <a:headEnd type="triangle"/>
-            <a:tailEnd type="triangle"/>
-          </a:ln>
-        </p:spPr>
-        <p:style>
-          <a:lnRef idx="1">
-            <a:schemeClr val="accent1"/>
-          </a:lnRef>
-          <a:fillRef idx="0">
-            <a:schemeClr val="accent1"/>
-          </a:fillRef>
-          <a:effectRef idx="0">
-            <a:schemeClr val="accent1"/>
-          </a:effectRef>
-          <a:fontRef idx="minor">
-            <a:schemeClr val="tx1"/>
-          </a:fontRef>
-        </p:style>
-      </p:cxnSp>
-      <p:cxnSp>
-        <p:nvCxnSpPr>
-          <p:cNvPr id="29" name="Straight Arrow Connector 28">
-            <a:extLst>
-              <a:ext uri="{FF2B5EF4-FFF2-40B4-BE49-F238E27FC236}">
-                <a16:creationId xmlns:a16="http://schemas.microsoft.com/office/drawing/2014/main" id="{FB5EB97F-6758-AD45-AE21-DF811DC05267}"/>
-              </a:ext>
-            </a:extLst>
-          </p:cNvPr>
-          <p:cNvCxnSpPr>
-            <a:cxnSpLocks/>
-          </p:cNvCxnSpPr>
+          <a:noFill/>
+        </p:spPr>
+        <p:txBody>
+          <a:bodyPr wrap="square" rtlCol="0">
+            <a:spAutoFit/>
+          </a:bodyPr>
+          <a:lstStyle/>
+          <a:p>
+            <a:r>
+              <a:rPr lang="en-IT" dirty="0"/>
+              <a:t>Retrieve result:</a:t>
+            </a:r>
+          </a:p>
+        </p:txBody>
+      </p:sp>
+      <p:sp>
+        <p:nvSpPr>
+          <p:cNvPr id="12" name="TextBox 11">
+            <a:extLst>
+              <a:ext uri="{FF2B5EF4-FFF2-40B4-BE49-F238E27FC236}">
+                <a16:creationId xmlns:a16="http://schemas.microsoft.com/office/drawing/2014/main" id="{CAA798CB-7190-A044-A769-30EB2895BD86}"/>
+              </a:ext>
+            </a:extLst>
+          </p:cNvPr>
+          <p:cNvSpPr txBox="1"/>
           <p:nvPr/>
-        </p:nvCxnSpPr>
-        <p:spPr>
-          <a:xfrm flipV="1">
-            <a:off x="8368774" y="2672921"/>
-            <a:ext cx="1102951" cy="1863120"/>
-          </a:xfrm>
-          <a:prstGeom prst="straightConnector1">
+        </p:nvSpPr>
+        <p:spPr>
+          <a:xfrm>
+            <a:off x="4817440" y="3435250"/>
+            <a:ext cx="4583414" cy="369332"/>
+          </a:xfrm>
+          <a:prstGeom prst="rect">
             <a:avLst/>
           </a:prstGeom>
-          <a:ln w="12700">
-            <a:solidFill>
-              <a:schemeClr val="tx1"/>
-            </a:solidFill>
-            <a:headEnd type="triangle"/>
-            <a:tailEnd type="triangle"/>
-          </a:ln>
-        </p:spPr>
-        <p:style>
-          <a:lnRef idx="1">
-            <a:schemeClr val="accent1"/>
-          </a:lnRef>
-          <a:fillRef idx="0">
-            <a:schemeClr val="accent1"/>
-          </a:fillRef>
-          <a:effectRef idx="0">
-            <a:schemeClr val="accent1"/>
-          </a:effectRef>
-          <a:fontRef idx="minor">
-            <a:schemeClr val="tx1"/>
-          </a:fontRef>
-        </p:style>
-      </p:cxnSp>
-      <p:cxnSp>
-        <p:nvCxnSpPr>
-          <p:cNvPr id="32" name="Straight Arrow Connector 31">
-            <a:extLst>
-              <a:ext uri="{FF2B5EF4-FFF2-40B4-BE49-F238E27FC236}">
-                <a16:creationId xmlns:a16="http://schemas.microsoft.com/office/drawing/2014/main" id="{30AF4BB5-F7A9-DF44-9EB2-285B6C270FA0}"/>
-              </a:ext>
-            </a:extLst>
-          </p:cNvPr>
-          <p:cNvCxnSpPr>
-            <a:cxnSpLocks/>
-            <a:endCxn id="7" idx="2"/>
-          </p:cNvCxnSpPr>
-          <p:nvPr/>
-        </p:nvCxnSpPr>
-        <p:spPr>
-          <a:xfrm flipH="1" flipV="1">
-            <a:off x="6427485" y="2768600"/>
-            <a:ext cx="1375551" cy="1767441"/>
-          </a:xfrm>
-          <a:prstGeom prst="straightConnector1">
-            <a:avLst/>
-          </a:prstGeom>
-          <a:ln w="12700">
-            <a:solidFill>
-              <a:schemeClr val="tx1"/>
-            </a:solidFill>
-            <a:headEnd type="triangle"/>
-            <a:tailEnd type="triangle"/>
-          </a:ln>
-        </p:spPr>
-        <p:style>
-          <a:lnRef idx="1">
-            <a:schemeClr val="accent1"/>
-          </a:lnRef>
-          <a:fillRef idx="0">
-            <a:schemeClr val="accent1"/>
-          </a:fillRef>
-          <a:effectRef idx="0">
-            <a:schemeClr val="accent1"/>
-          </a:effectRef>
-          <a:fontRef idx="minor">
-            <a:schemeClr val="tx1"/>
-          </a:fontRef>
-        </p:style>
-      </p:cxnSp>
+          <a:noFill/>
+        </p:spPr>
+        <p:txBody>
+          <a:bodyPr wrap="square" rtlCol="0">
+            <a:spAutoFit/>
+          </a:bodyPr>
+          <a:lstStyle/>
+          <a:p>
+            <a:r>
+              <a:rPr lang="en-IT" dirty="0"/>
+              <a:t>Sends a job request to the connected executor</a:t>
+            </a:r>
+          </a:p>
+        </p:txBody>
+      </p:sp>
     </p:spTree>
     <p:extLst>
       <p:ext uri="{BB962C8B-B14F-4D97-AF65-F5344CB8AC3E}">
-        <p14:creationId xmlns:p14="http://schemas.microsoft.com/office/powerpoint/2010/main" val="3557526825"/>
+        <p14:creationId xmlns:p14="http://schemas.microsoft.com/office/powerpoint/2010/main" val="1088665226"/>
       </p:ext>
     </p:extLst>
   </p:cSld>
   <p:clrMapOvr>
     <a:masterClrMapping/>
   </p:clrMapOvr>
-  <p:timing>
-    <p:tnLst>
-      <p:par>
-        <p:cTn id="1" dur="indefinite" restart="never" nodeType="tmRoot">
-          <p:childTnLst>
-            <p:seq concurrent="1" nextAc="seek">
-              <p:cTn id="2" dur="indefinite" nodeType="mainSeq">
-                <p:childTnLst>
-                  <p:par>
-                    <p:cTn id="3" fill="hold">
-                      <p:stCondLst>
-                        <p:cond delay="indefinite"/>
-                      </p:stCondLst>
-                      <p:childTnLst>
-                        <p:par>
-                          <p:cTn id="4" fill="hold">
-                            <p:stCondLst>
-                              <p:cond delay="0"/>
-                            </p:stCondLst>
-                            <p:childTnLst>
-                              <p:par>
-                                <p:cTn id="5" presetID="1" presetClass="entr" presetSubtype="0" fill="hold" nodeType="clickEffect">
-                                  <p:stCondLst>
-                                    <p:cond delay="1000"/>
-                                  </p:stCondLst>
-                                  <p:childTnLst>
-                                    <p:set>
-                                      <p:cBhvr>
-                                        <p:cTn id="6" dur="1" fill="hold">
-                                          <p:stCondLst>
-                                            <p:cond delay="0"/>
-                                          </p:stCondLst>
-                                        </p:cTn>
-                                        <p:tgtEl>
-                                          <p:spTgt spid="9"/>
-                                        </p:tgtEl>
-                                        <p:attrNameLst>
-                                          <p:attrName>style.visibility</p:attrName>
-                                        </p:attrNameLst>
-                                      </p:cBhvr>
-                                      <p:to>
-                                        <p:strVal val="visible"/>
-                                      </p:to>
-                                    </p:set>
-                                  </p:childTnLst>
-                                </p:cTn>
-                              </p:par>
-                            </p:childTnLst>
-                          </p:cTn>
-                        </p:par>
-                      </p:childTnLst>
-                    </p:cTn>
-                  </p:par>
-                  <p:par>
-                    <p:cTn id="7" fill="hold">
-                      <p:stCondLst>
-                        <p:cond delay="indefinite"/>
-                      </p:stCondLst>
-                      <p:childTnLst>
-                        <p:par>
-                          <p:cTn id="8" fill="hold">
-                            <p:stCondLst>
-                              <p:cond delay="0"/>
-                            </p:stCondLst>
-                            <p:childTnLst>
-                              <p:par>
-                                <p:cTn id="9" presetID="1" presetClass="entr" presetSubtype="0" fill="hold" nodeType="clickEffect">
-                                  <p:stCondLst>
-                                    <p:cond delay="0"/>
-                                  </p:stCondLst>
-                                  <p:childTnLst>
-                                    <p:set>
-                                      <p:cBhvr>
-                                        <p:cTn id="10" dur="1" fill="hold">
-                                          <p:stCondLst>
-                                            <p:cond delay="0"/>
-                                          </p:stCondLst>
-                                        </p:cTn>
-                                        <p:tgtEl>
-                                          <p:spTgt spid="16"/>
-                                        </p:tgtEl>
-                                        <p:attrNameLst>
-                                          <p:attrName>style.visibility</p:attrName>
-                                        </p:attrNameLst>
-                                      </p:cBhvr>
-                                      <p:to>
-                                        <p:strVal val="visible"/>
-                                      </p:to>
-                                    </p:set>
-                                  </p:childTnLst>
-                                </p:cTn>
-                              </p:par>
-                            </p:childTnLst>
-                          </p:cTn>
-                        </p:par>
-                      </p:childTnLst>
-                    </p:cTn>
-                  </p:par>
-                  <p:par>
-                    <p:cTn id="11" fill="hold">
-                      <p:stCondLst>
-                        <p:cond delay="indefinite"/>
-                      </p:stCondLst>
-                      <p:childTnLst>
-                        <p:par>
-                          <p:cTn id="12" fill="hold">
-                            <p:stCondLst>
-                              <p:cond delay="0"/>
-                            </p:stCondLst>
-                            <p:childTnLst>
-                              <p:par>
-                                <p:cTn id="13" presetID="42" presetClass="path" presetSubtype="0" accel="50000" decel="50000" fill="hold" nodeType="clickEffect">
-                                  <p:stCondLst>
-                                    <p:cond delay="0"/>
-                                  </p:stCondLst>
-                                  <p:childTnLst>
-                                    <p:animMotion origin="layout" path="M -2.29167E-6 -1.48148E-6 L -0.10455 -0.2787 " pathEditMode="relative" rAng="0" ptsTypes="AA">
-                                      <p:cBhvr>
-                                        <p:cTn id="14" dur="2000" fill="hold"/>
-                                        <p:tgtEl>
-                                          <p:spTgt spid="16"/>
-                                        </p:tgtEl>
-                                        <p:attrNameLst>
-                                          <p:attrName>ppt_x</p:attrName>
-                                          <p:attrName>ppt_y</p:attrName>
-                                        </p:attrNameLst>
-                                      </p:cBhvr>
-                                      <p:rCtr x="-5234" y="-13935"/>
-                                    </p:animMotion>
-                                  </p:childTnLst>
-                                </p:cTn>
-                              </p:par>
-                            </p:childTnLst>
-                          </p:cTn>
-                        </p:par>
-                      </p:childTnLst>
-                    </p:cTn>
-                  </p:par>
-                  <p:par>
-                    <p:cTn id="15" fill="hold">
-                      <p:stCondLst>
-                        <p:cond delay="indefinite"/>
-                      </p:stCondLst>
-                      <p:childTnLst>
-                        <p:par>
-                          <p:cTn id="16" fill="hold">
-                            <p:stCondLst>
-                              <p:cond delay="0"/>
-                            </p:stCondLst>
-                            <p:childTnLst>
-                              <p:par>
-                                <p:cTn id="17" presetID="1" presetClass="entr" presetSubtype="0" fill="hold" nodeType="clickEffect">
-                                  <p:stCondLst>
-                                    <p:cond delay="0"/>
-                                  </p:stCondLst>
-                                  <p:childTnLst>
-                                    <p:set>
-                                      <p:cBhvr>
-                                        <p:cTn id="18" dur="1" fill="hold">
-                                          <p:stCondLst>
-                                            <p:cond delay="0"/>
-                                          </p:stCondLst>
-                                        </p:cTn>
-                                        <p:tgtEl>
-                                          <p:spTgt spid="32"/>
-                                        </p:tgtEl>
-                                        <p:attrNameLst>
-                                          <p:attrName>style.visibility</p:attrName>
-                                        </p:attrNameLst>
-                                      </p:cBhvr>
-                                      <p:to>
-                                        <p:strVal val="visible"/>
-                                      </p:to>
-                                    </p:set>
-                                  </p:childTnLst>
-                                </p:cTn>
-                              </p:par>
-                            </p:childTnLst>
-                          </p:cTn>
-                        </p:par>
-                      </p:childTnLst>
-                    </p:cTn>
-                  </p:par>
-                  <p:par>
-                    <p:cTn id="19" fill="hold">
-                      <p:stCondLst>
-                        <p:cond delay="indefinite"/>
-                      </p:stCondLst>
-                      <p:childTnLst>
-                        <p:par>
-                          <p:cTn id="20" fill="hold">
-                            <p:stCondLst>
-                              <p:cond delay="0"/>
-                            </p:stCondLst>
-                            <p:childTnLst>
-                              <p:par>
-                                <p:cTn id="21" presetID="10" presetClass="exit" presetSubtype="0" fill="hold" nodeType="clickEffect">
-                                  <p:stCondLst>
-                                    <p:cond delay="0"/>
-                                  </p:stCondLst>
-                                  <p:childTnLst>
-                                    <p:animEffect transition="out" filter="fade">
-                                      <p:cBhvr>
-                                        <p:cTn id="22" dur="500"/>
-                                        <p:tgtEl>
-                                          <p:spTgt spid="16"/>
-                                        </p:tgtEl>
-                                      </p:cBhvr>
-                                    </p:animEffect>
-                                    <p:set>
-                                      <p:cBhvr>
-                                        <p:cTn id="23" dur="1" fill="hold">
-                                          <p:stCondLst>
-                                            <p:cond delay="499"/>
-                                          </p:stCondLst>
-                                        </p:cTn>
-                                        <p:tgtEl>
-                                          <p:spTgt spid="16"/>
-                                        </p:tgtEl>
-                                        <p:attrNameLst>
-                                          <p:attrName>style.visibility</p:attrName>
-                                        </p:attrNameLst>
-                                      </p:cBhvr>
-                                      <p:to>
-                                        <p:strVal val="hidden"/>
-                                      </p:to>
-                                    </p:set>
-                                  </p:childTnLst>
-                                </p:cTn>
-                              </p:par>
-                            </p:childTnLst>
-                          </p:cTn>
-                        </p:par>
-                      </p:childTnLst>
-                    </p:cTn>
-                  </p:par>
-                  <p:par>
-                    <p:cTn id="24" fill="hold">
-                      <p:stCondLst>
-                        <p:cond delay="indefinite"/>
-                      </p:stCondLst>
-                      <p:childTnLst>
-                        <p:par>
-                          <p:cTn id="25" fill="hold">
-                            <p:stCondLst>
-                              <p:cond delay="0"/>
-                            </p:stCondLst>
-                            <p:childTnLst>
-                              <p:par>
-                                <p:cTn id="26" presetID="1" presetClass="entr" presetSubtype="0" fill="hold" nodeType="clickEffect">
-                                  <p:stCondLst>
-                                    <p:cond delay="1000"/>
-                                  </p:stCondLst>
-                                  <p:childTnLst>
-                                    <p:set>
-                                      <p:cBhvr>
-                                        <p:cTn id="27" dur="1" fill="hold">
-                                          <p:stCondLst>
-                                            <p:cond delay="0"/>
-                                          </p:stCondLst>
-                                        </p:cTn>
-                                        <p:tgtEl>
-                                          <p:spTgt spid="8"/>
-                                        </p:tgtEl>
-                                        <p:attrNameLst>
-                                          <p:attrName>style.visibility</p:attrName>
-                                        </p:attrNameLst>
-                                      </p:cBhvr>
-                                      <p:to>
-                                        <p:strVal val="visible"/>
-                                      </p:to>
-                                    </p:set>
-                                  </p:childTnLst>
-                                </p:cTn>
-                              </p:par>
-                            </p:childTnLst>
-                          </p:cTn>
-                        </p:par>
-                      </p:childTnLst>
-                    </p:cTn>
-                  </p:par>
-                  <p:par>
-                    <p:cTn id="28" fill="hold">
-                      <p:stCondLst>
-                        <p:cond delay="indefinite"/>
-                      </p:stCondLst>
-                      <p:childTnLst>
-                        <p:par>
-                          <p:cTn id="29" fill="hold">
-                            <p:stCondLst>
-                              <p:cond delay="0"/>
-                            </p:stCondLst>
-                            <p:childTnLst>
-                              <p:par>
-                                <p:cTn id="30" presetID="1" presetClass="entr" presetSubtype="0" fill="hold" nodeType="clickEffect">
-                                  <p:stCondLst>
-                                    <p:cond delay="0"/>
-                                  </p:stCondLst>
-                                  <p:childTnLst>
-                                    <p:set>
-                                      <p:cBhvr>
-                                        <p:cTn id="31" dur="1" fill="hold">
-                                          <p:stCondLst>
-                                            <p:cond delay="0"/>
-                                          </p:stCondLst>
-                                        </p:cTn>
-                                        <p:tgtEl>
-                                          <p:spTgt spid="17"/>
-                                        </p:tgtEl>
-                                        <p:attrNameLst>
-                                          <p:attrName>style.visibility</p:attrName>
-                                        </p:attrNameLst>
-                                      </p:cBhvr>
-                                      <p:to>
-                                        <p:strVal val="visible"/>
-                                      </p:to>
-                                    </p:set>
-                                  </p:childTnLst>
-                                </p:cTn>
-                              </p:par>
-                            </p:childTnLst>
-                          </p:cTn>
-                        </p:par>
-                      </p:childTnLst>
-                    </p:cTn>
-                  </p:par>
-                  <p:par>
-                    <p:cTn id="32" fill="hold">
-                      <p:stCondLst>
-                        <p:cond delay="indefinite"/>
-                      </p:stCondLst>
-                      <p:childTnLst>
-                        <p:par>
-                          <p:cTn id="33" fill="hold">
-                            <p:stCondLst>
-                              <p:cond delay="0"/>
-                            </p:stCondLst>
-                            <p:childTnLst>
-                              <p:par>
-                                <p:cTn id="34" presetID="1" presetClass="entr" presetSubtype="0" fill="hold" nodeType="clickEffect">
-                                  <p:stCondLst>
-                                    <p:cond delay="0"/>
-                                  </p:stCondLst>
-                                  <p:childTnLst>
-                                    <p:set>
-                                      <p:cBhvr>
-                                        <p:cTn id="35" dur="1" fill="hold">
-                                          <p:stCondLst>
-                                            <p:cond delay="0"/>
-                                          </p:stCondLst>
-                                        </p:cTn>
-                                        <p:tgtEl>
-                                          <p:spTgt spid="21"/>
-                                        </p:tgtEl>
-                                        <p:attrNameLst>
-                                          <p:attrName>style.visibility</p:attrName>
-                                        </p:attrNameLst>
-                                      </p:cBhvr>
-                                      <p:to>
-                                        <p:strVal val="visible"/>
-                                      </p:to>
-                                    </p:set>
-                                  </p:childTnLst>
-                                </p:cTn>
-                              </p:par>
-                            </p:childTnLst>
-                          </p:cTn>
-                        </p:par>
-                      </p:childTnLst>
-                    </p:cTn>
-                  </p:par>
-                  <p:par>
-                    <p:cTn id="36" fill="hold">
-                      <p:stCondLst>
-                        <p:cond delay="indefinite"/>
-                      </p:stCondLst>
-                      <p:childTnLst>
-                        <p:par>
-                          <p:cTn id="37" fill="hold">
-                            <p:stCondLst>
-                              <p:cond delay="0"/>
-                            </p:stCondLst>
-                            <p:childTnLst>
-                              <p:par>
-                                <p:cTn id="38" presetID="0" presetClass="path" presetSubtype="0" accel="50000" decel="50000" fill="hold" nodeType="clickEffect">
-                                  <p:stCondLst>
-                                    <p:cond delay="0"/>
-                                  </p:stCondLst>
-                                  <p:childTnLst>
-                                    <p:animMotion origin="layout" path="M -0.02096 0.00347 L -0.24088 0.10833 " pathEditMode="relative" ptsTypes="AA">
-                                      <p:cBhvr>
-                                        <p:cTn id="39" dur="2000" fill="hold"/>
-                                        <p:tgtEl>
-                                          <p:spTgt spid="17"/>
-                                        </p:tgtEl>
-                                        <p:attrNameLst>
-                                          <p:attrName>ppt_x</p:attrName>
-                                          <p:attrName>ppt_y</p:attrName>
-                                        </p:attrNameLst>
-                                      </p:cBhvr>
-                                    </p:animMotion>
-                                  </p:childTnLst>
-                                </p:cTn>
-                              </p:par>
-                            </p:childTnLst>
-                          </p:cTn>
-                        </p:par>
-                      </p:childTnLst>
-                    </p:cTn>
-                  </p:par>
-                  <p:par>
-                    <p:cTn id="40" fill="hold">
-                      <p:stCondLst>
-                        <p:cond delay="indefinite"/>
-                      </p:stCondLst>
-                      <p:childTnLst>
-                        <p:par>
-                          <p:cTn id="41" fill="hold">
-                            <p:stCondLst>
-                              <p:cond delay="0"/>
-                            </p:stCondLst>
-                            <p:childTnLst>
-                              <p:par>
-                                <p:cTn id="42" presetID="42" presetClass="path" presetSubtype="0" accel="50000" decel="50000" fill="hold" nodeType="clickEffect">
-                                  <p:stCondLst>
-                                    <p:cond delay="0"/>
-                                  </p:stCondLst>
-                                  <p:childTnLst>
-                                    <p:animMotion origin="layout" path="M -2.91667E-6 3.7037E-6 L -0.09479 0.51504 " pathEditMode="relative" rAng="0" ptsTypes="AA">
-                                      <p:cBhvr>
-                                        <p:cTn id="43" dur="2000" fill="hold"/>
-                                        <p:tgtEl>
-                                          <p:spTgt spid="21"/>
-                                        </p:tgtEl>
-                                        <p:attrNameLst>
-                                          <p:attrName>ppt_x</p:attrName>
-                                          <p:attrName>ppt_y</p:attrName>
-                                        </p:attrNameLst>
-                                      </p:cBhvr>
-                                      <p:rCtr x="-4740" y="25741"/>
-                                    </p:animMotion>
-                                  </p:childTnLst>
-                                </p:cTn>
-                              </p:par>
-                              <p:par>
-                                <p:cTn id="44" presetID="1" presetClass="entr" presetSubtype="0" fill="hold" nodeType="withEffect">
-                                  <p:stCondLst>
-                                    <p:cond delay="0"/>
-                                  </p:stCondLst>
-                                  <p:childTnLst>
-                                    <p:set>
-                                      <p:cBhvr>
-                                        <p:cTn id="45" dur="1" fill="hold">
-                                          <p:stCondLst>
-                                            <p:cond delay="0"/>
-                                          </p:stCondLst>
-                                        </p:cTn>
-                                        <p:tgtEl>
-                                          <p:spTgt spid="26"/>
-                                        </p:tgtEl>
-                                        <p:attrNameLst>
-                                          <p:attrName>style.visibility</p:attrName>
-                                        </p:attrNameLst>
-                                      </p:cBhvr>
-                                      <p:to>
-                                        <p:strVal val="visible"/>
-                                      </p:to>
-                                    </p:set>
-                                  </p:childTnLst>
-                                </p:cTn>
-                              </p:par>
-                            </p:childTnLst>
-                          </p:cTn>
-                        </p:par>
-                      </p:childTnLst>
-                    </p:cTn>
-                  </p:par>
-                  <p:par>
-                    <p:cTn id="46" fill="hold">
-                      <p:stCondLst>
-                        <p:cond delay="indefinite"/>
-                      </p:stCondLst>
-                      <p:childTnLst>
-                        <p:par>
-                          <p:cTn id="47" fill="hold">
-                            <p:stCondLst>
-                              <p:cond delay="0"/>
-                            </p:stCondLst>
-                            <p:childTnLst>
-                              <p:par>
-                                <p:cTn id="48" presetID="1" presetClass="entr" presetSubtype="0" fill="hold" nodeType="clickEffect">
-                                  <p:stCondLst>
-                                    <p:cond delay="0"/>
-                                  </p:stCondLst>
-                                  <p:childTnLst>
-                                    <p:set>
-                                      <p:cBhvr>
-                                        <p:cTn id="49" dur="1" fill="hold">
-                                          <p:stCondLst>
-                                            <p:cond delay="0"/>
-                                          </p:stCondLst>
-                                        </p:cTn>
-                                        <p:tgtEl>
-                                          <p:spTgt spid="29"/>
-                                        </p:tgtEl>
-                                        <p:attrNameLst>
-                                          <p:attrName>style.visibility</p:attrName>
-                                        </p:attrNameLst>
-                                      </p:cBhvr>
-                                      <p:to>
-                                        <p:strVal val="visible"/>
-                                      </p:to>
-                                    </p:set>
-                                  </p:childTnLst>
-                                </p:cTn>
-                              </p:par>
-                            </p:childTnLst>
-                          </p:cTn>
-                        </p:par>
-                      </p:childTnLst>
-                    </p:cTn>
-                  </p:par>
-                  <p:par>
-                    <p:cTn id="50" fill="hold">
-                      <p:stCondLst>
-                        <p:cond delay="indefinite"/>
-                      </p:stCondLst>
-                      <p:childTnLst>
-                        <p:par>
-                          <p:cTn id="51" fill="hold">
-                            <p:stCondLst>
-                              <p:cond delay="0"/>
-                            </p:stCondLst>
-                            <p:childTnLst>
-                              <p:par>
-                                <p:cTn id="52" presetID="10" presetClass="exit" presetSubtype="0" fill="hold" nodeType="clickEffect">
-                                  <p:stCondLst>
-                                    <p:cond delay="0"/>
-                                  </p:stCondLst>
-                                  <p:childTnLst>
-                                    <p:animEffect transition="out" filter="fade">
-                                      <p:cBhvr>
-                                        <p:cTn id="53" dur="500"/>
-                                        <p:tgtEl>
-                                          <p:spTgt spid="21"/>
-                                        </p:tgtEl>
-                                      </p:cBhvr>
-                                    </p:animEffect>
-                                    <p:set>
-                                      <p:cBhvr>
-                                        <p:cTn id="54" dur="1" fill="hold">
-                                          <p:stCondLst>
-                                            <p:cond delay="499"/>
-                                          </p:stCondLst>
-                                        </p:cTn>
-                                        <p:tgtEl>
-                                          <p:spTgt spid="21"/>
-                                        </p:tgtEl>
-                                        <p:attrNameLst>
-                                          <p:attrName>style.visibility</p:attrName>
-                                        </p:attrNameLst>
-                                      </p:cBhvr>
-                                      <p:to>
-                                        <p:strVal val="hidden"/>
-                                      </p:to>
-                                    </p:set>
-                                  </p:childTnLst>
-                                </p:cTn>
-                              </p:par>
-                            </p:childTnLst>
-                          </p:cTn>
-                        </p:par>
-                      </p:childTnLst>
-                    </p:cTn>
-                  </p:par>
-                  <p:par>
-                    <p:cTn id="55" fill="hold">
-                      <p:stCondLst>
-                        <p:cond delay="indefinite"/>
-                      </p:stCondLst>
-                      <p:childTnLst>
-                        <p:par>
-                          <p:cTn id="56" fill="hold">
-                            <p:stCondLst>
-                              <p:cond delay="0"/>
-                            </p:stCondLst>
-                            <p:childTnLst>
-                              <p:par>
-                                <p:cTn id="57" presetID="10" presetClass="exit" presetSubtype="0" fill="hold" nodeType="clickEffect">
-                                  <p:stCondLst>
-                                    <p:cond delay="0"/>
-                                  </p:stCondLst>
-                                  <p:childTnLst>
-                                    <p:animEffect transition="out" filter="fade">
-                                      <p:cBhvr>
-                                        <p:cTn id="58" dur="500"/>
-                                        <p:tgtEl>
-                                          <p:spTgt spid="17"/>
-                                        </p:tgtEl>
-                                      </p:cBhvr>
-                                    </p:animEffect>
-                                    <p:set>
-                                      <p:cBhvr>
-                                        <p:cTn id="59" dur="1" fill="hold">
-                                          <p:stCondLst>
-                                            <p:cond delay="499"/>
-                                          </p:stCondLst>
-                                        </p:cTn>
-                                        <p:tgtEl>
-                                          <p:spTgt spid="17"/>
-                                        </p:tgtEl>
-                                        <p:attrNameLst>
-                                          <p:attrName>style.visibility</p:attrName>
-                                        </p:attrNameLst>
-                                      </p:cBhvr>
-                                      <p:to>
-                                        <p:strVal val="hidden"/>
-                                      </p:to>
-                                    </p:set>
-                                  </p:childTnLst>
-                                </p:cTn>
-                              </p:par>
-                            </p:childTnLst>
-                          </p:cTn>
-                        </p:par>
-                      </p:childTnLst>
-                    </p:cTn>
-                  </p:par>
-                </p:childTnLst>
-              </p:cTn>
-              <p:prevCondLst>
-                <p:cond evt="onPrev" delay="0">
-                  <p:tgtEl>
-                    <p:sldTgt/>
-                  </p:tgtEl>
-                </p:cond>
-              </p:prevCondLst>
-              <p:nextCondLst>
-                <p:cond evt="onNext" delay="0">
-                  <p:tgtEl>
-                    <p:sldTgt/>
-                  </p:tgtEl>
-                </p:cond>
-              </p:nextCondLst>
-            </p:seq>
-          </p:childTnLst>
-        </p:cTn>
-      </p:par>
-    </p:tnLst>
-  </p:timing>
 </p:sld>
 </file>
 
@@ -6590,4 +6393,299 @@
     </a:ext>
   </a:extLst>
 </a:theme>
+</file>
+
+<file path=ppt/theme/theme2.xml><?xml version="1.0" encoding="utf-8"?>
+<a:theme xmlns:a="http://schemas.openxmlformats.org/drawingml/2006/main" name="Office Theme">
+  <a:themeElements>
+    <a:clrScheme name="Office">
+      <a:dk1>
+        <a:sysClr val="windowText" lastClr="000000"/>
+      </a:dk1>
+      <a:lt1>
+        <a:sysClr val="window" lastClr="FFFFFF"/>
+      </a:lt1>
+      <a:dk2>
+        <a:srgbClr val="44546A"/>
+      </a:dk2>
+      <a:lt2>
+        <a:srgbClr val="E7E6E6"/>
+      </a:lt2>
+      <a:accent1>
+        <a:srgbClr val="4472C4"/>
+      </a:accent1>
+      <a:accent2>
+        <a:srgbClr val="ED7D31"/>
+      </a:accent2>
+      <a:accent3>
+        <a:srgbClr val="A5A5A5"/>
+      </a:accent3>
+      <a:accent4>
+        <a:srgbClr val="FFC000"/>
+      </a:accent4>
+      <a:accent5>
+        <a:srgbClr val="5B9BD5"/>
+      </a:accent5>
+      <a:accent6>
+        <a:srgbClr val="70AD47"/>
+      </a:accent6>
+      <a:hlink>
+        <a:srgbClr val="0563C1"/>
+      </a:hlink>
+      <a:folHlink>
+        <a:srgbClr val="954F72"/>
+      </a:folHlink>
+    </a:clrScheme>
+    <a:fontScheme name="Office">
+      <a:majorFont>
+        <a:latin typeface="Calibri Light" panose="020F0302020204030204"/>
+        <a:ea typeface=""/>
+        <a:cs typeface=""/>
+        <a:font script="Jpan" typeface="游ゴシック Light"/>
+        <a:font script="Hang" typeface="맑은 고딕"/>
+        <a:font script="Hans" typeface="等线 Light"/>
+        <a:font script="Hant" typeface="新細明體"/>
+        <a:font script="Arab" typeface="Times New Roman"/>
+        <a:font script="Hebr" typeface="Times New Roman"/>
+        <a:font script="Thai" typeface="Angsana New"/>
+        <a:font script="Ethi" typeface="Nyala"/>
+        <a:font script="Beng" typeface="Vrinda"/>
+        <a:font script="Gujr" typeface="Shruti"/>
+        <a:font script="Khmr" typeface="MoolBoran"/>
+        <a:font script="Knda" typeface="Tunga"/>
+        <a:font script="Guru" typeface="Raavi"/>
+        <a:font script="Cans" typeface="Euphemia"/>
+        <a:font script="Cher" typeface="Plantagenet Cherokee"/>
+        <a:font script="Yiii" typeface="Microsoft Yi Baiti"/>
+        <a:font script="Tibt" typeface="Microsoft Himalaya"/>
+        <a:font script="Thaa" typeface="MV Boli"/>
+        <a:font script="Deva" typeface="Mangal"/>
+        <a:font script="Telu" typeface="Gautami"/>
+        <a:font script="Taml" typeface="Latha"/>
+        <a:font script="Syrc" typeface="Estrangelo Edessa"/>
+        <a:font script="Orya" typeface="Kalinga"/>
+        <a:font script="Mlym" typeface="Kartika"/>
+        <a:font script="Laoo" typeface="DokChampa"/>
+        <a:font script="Sinh" typeface="Iskoola Pota"/>
+        <a:font script="Mong" typeface="Mongolian Baiti"/>
+        <a:font script="Viet" typeface="Times New Roman"/>
+        <a:font script="Uigh" typeface="Microsoft Uighur"/>
+        <a:font script="Geor" typeface="Sylfaen"/>
+        <a:font script="Armn" typeface="Arial"/>
+        <a:font script="Bugi" typeface="Leelawadee UI"/>
+        <a:font script="Bopo" typeface="Microsoft JhengHei"/>
+        <a:font script="Java" typeface="Javanese Text"/>
+        <a:font script="Lisu" typeface="Segoe UI"/>
+        <a:font script="Mymr" typeface="Myanmar Text"/>
+        <a:font script="Nkoo" typeface="Ebrima"/>
+        <a:font script="Olck" typeface="Nirmala UI"/>
+        <a:font script="Osma" typeface="Ebrima"/>
+        <a:font script="Phag" typeface="Phagspa"/>
+        <a:font script="Syrn" typeface="Estrangelo Edessa"/>
+        <a:font script="Syrj" typeface="Estrangelo Edessa"/>
+        <a:font script="Syre" typeface="Estrangelo Edessa"/>
+        <a:font script="Sora" typeface="Nirmala UI"/>
+        <a:font script="Tale" typeface="Microsoft Tai Le"/>
+        <a:font script="Talu" typeface="Microsoft New Tai Lue"/>
+        <a:font script="Tfng" typeface="Ebrima"/>
+      </a:majorFont>
+      <a:minorFont>
+        <a:latin typeface="Calibri" panose="020F0502020204030204"/>
+        <a:ea typeface=""/>
+        <a:cs typeface=""/>
+        <a:font script="Jpan" typeface="游ゴシック"/>
+        <a:font script="Hang" typeface="맑은 고딕"/>
+        <a:font script="Hans" typeface="等线"/>
+        <a:font script="Hant" typeface="新細明體"/>
+        <a:font script="Arab" typeface="Arial"/>
+        <a:font script="Hebr" typeface="Arial"/>
+        <a:font script="Thai" typeface="Cordia New"/>
+        <a:font script="Ethi" typeface="Nyala"/>
+        <a:font script="Beng" typeface="Vrinda"/>
+        <a:font script="Gujr" typeface="Shruti"/>
+        <a:font script="Khmr" typeface="DaunPenh"/>
+        <a:font script="Knda" typeface="Tunga"/>
+        <a:font script="Guru" typeface="Raavi"/>
+        <a:font script="Cans" typeface="Euphemia"/>
+        <a:font script="Cher" typeface="Plantagenet Cherokee"/>
+        <a:font script="Yiii" typeface="Microsoft Yi Baiti"/>
+        <a:font script="Tibt" typeface="Microsoft Himalaya"/>
+        <a:font script="Thaa" typeface="MV Boli"/>
+        <a:font script="Deva" typeface="Mangal"/>
+        <a:font script="Telu" typeface="Gautami"/>
+        <a:font script="Taml" typeface="Latha"/>
+        <a:font script="Syrc" typeface="Estrangelo Edessa"/>
+        <a:font script="Orya" typeface="Kalinga"/>
+        <a:font script="Mlym" typeface="Kartika"/>
+        <a:font script="Laoo" typeface="DokChampa"/>
+        <a:font script="Sinh" typeface="Iskoola Pota"/>
+        <a:font script="Mong" typeface="Mongolian Baiti"/>
+        <a:font script="Viet" typeface="Arial"/>
+        <a:font script="Uigh" typeface="Microsoft Uighur"/>
+        <a:font script="Geor" typeface="Sylfaen"/>
+        <a:font script="Armn" typeface="Arial"/>
+        <a:font script="Bugi" typeface="Leelawadee UI"/>
+        <a:font script="Bopo" typeface="Microsoft JhengHei"/>
+        <a:font script="Java" typeface="Javanese Text"/>
+        <a:font script="Lisu" typeface="Segoe UI"/>
+        <a:font script="Mymr" typeface="Myanmar Text"/>
+        <a:font script="Nkoo" typeface="Ebrima"/>
+        <a:font script="Olck" typeface="Nirmala UI"/>
+        <a:font script="Osma" typeface="Ebrima"/>
+        <a:font script="Phag" typeface="Phagspa"/>
+        <a:font script="Syrn" typeface="Estrangelo Edessa"/>
+        <a:font script="Syrj" typeface="Estrangelo Edessa"/>
+        <a:font script="Syre" typeface="Estrangelo Edessa"/>
+        <a:font script="Sora" typeface="Nirmala UI"/>
+        <a:font script="Tale" typeface="Microsoft Tai Le"/>
+        <a:font script="Talu" typeface="Microsoft New Tai Lue"/>
+        <a:font script="Tfng" typeface="Ebrima"/>
+      </a:minorFont>
+    </a:fontScheme>
+    <a:fmtScheme name="Office">
+      <a:fillStyleLst>
+        <a:solidFill>
+          <a:schemeClr val="phClr"/>
+        </a:solidFill>
+        <a:gradFill rotWithShape="1">
+          <a:gsLst>
+            <a:gs pos="0">
+              <a:schemeClr val="phClr">
+                <a:lumMod val="110000"/>
+                <a:satMod val="105000"/>
+                <a:tint val="67000"/>
+              </a:schemeClr>
+            </a:gs>
+            <a:gs pos="50000">
+              <a:schemeClr val="phClr">
+                <a:lumMod val="105000"/>
+                <a:satMod val="103000"/>
+                <a:tint val="73000"/>
+              </a:schemeClr>
+            </a:gs>
+            <a:gs pos="100000">
+              <a:schemeClr val="phClr">
+                <a:lumMod val="105000"/>
+                <a:satMod val="109000"/>
+                <a:tint val="81000"/>
+              </a:schemeClr>
+            </a:gs>
+          </a:gsLst>
+          <a:lin ang="5400000" scaled="0"/>
+        </a:gradFill>
+        <a:gradFill rotWithShape="1">
+          <a:gsLst>
+            <a:gs pos="0">
+              <a:schemeClr val="phClr">
+                <a:satMod val="103000"/>
+                <a:lumMod val="102000"/>
+                <a:tint val="94000"/>
+              </a:schemeClr>
+            </a:gs>
+            <a:gs pos="50000">
+              <a:schemeClr val="phClr">
+                <a:satMod val="110000"/>
+                <a:lumMod val="100000"/>
+                <a:shade val="100000"/>
+              </a:schemeClr>
+            </a:gs>
+            <a:gs pos="100000">
+              <a:schemeClr val="phClr">
+                <a:lumMod val="99000"/>
+                <a:satMod val="120000"/>
+                <a:shade val="78000"/>
+              </a:schemeClr>
+            </a:gs>
+          </a:gsLst>
+          <a:lin ang="5400000" scaled="0"/>
+        </a:gradFill>
+      </a:fillStyleLst>
+      <a:lnStyleLst>
+        <a:ln w="6350" cap="flat" cmpd="sng" algn="ctr">
+          <a:solidFill>
+            <a:schemeClr val="phClr"/>
+          </a:solidFill>
+          <a:prstDash val="solid"/>
+          <a:miter lim="800000"/>
+        </a:ln>
+        <a:ln w="12700" cap="flat" cmpd="sng" algn="ctr">
+          <a:solidFill>
+            <a:schemeClr val="phClr"/>
+          </a:solidFill>
+          <a:prstDash val="solid"/>
+          <a:miter lim="800000"/>
+        </a:ln>
+        <a:ln w="19050" cap="flat" cmpd="sng" algn="ctr">
+          <a:solidFill>
+            <a:schemeClr val="phClr"/>
+          </a:solidFill>
+          <a:prstDash val="solid"/>
+          <a:miter lim="800000"/>
+        </a:ln>
+      </a:lnStyleLst>
+      <a:effectStyleLst>
+        <a:effectStyle>
+          <a:effectLst/>
+        </a:effectStyle>
+        <a:effectStyle>
+          <a:effectLst/>
+        </a:effectStyle>
+        <a:effectStyle>
+          <a:effectLst>
+            <a:outerShdw blurRad="57150" dist="19050" dir="5400000" algn="ctr" rotWithShape="0">
+              <a:srgbClr val="000000">
+                <a:alpha val="63000"/>
+              </a:srgbClr>
+            </a:outerShdw>
+          </a:effectLst>
+        </a:effectStyle>
+      </a:effectStyleLst>
+      <a:bgFillStyleLst>
+        <a:solidFill>
+          <a:schemeClr val="phClr"/>
+        </a:solidFill>
+        <a:solidFill>
+          <a:schemeClr val="phClr">
+            <a:tint val="95000"/>
+            <a:satMod val="170000"/>
+          </a:schemeClr>
+        </a:solidFill>
+        <a:gradFill rotWithShape="1">
+          <a:gsLst>
+            <a:gs pos="0">
+              <a:schemeClr val="phClr">
+                <a:tint val="93000"/>
+                <a:satMod val="150000"/>
+                <a:shade val="98000"/>
+                <a:lumMod val="102000"/>
+              </a:schemeClr>
+            </a:gs>
+            <a:gs pos="50000">
+              <a:schemeClr val="phClr">
+                <a:tint val="98000"/>
+                <a:satMod val="130000"/>
+                <a:shade val="90000"/>
+                <a:lumMod val="103000"/>
+              </a:schemeClr>
+            </a:gs>
+            <a:gs pos="100000">
+              <a:schemeClr val="phClr">
+                <a:shade val="63000"/>
+                <a:satMod val="120000"/>
+              </a:schemeClr>
+            </a:gs>
+          </a:gsLst>
+          <a:lin ang="5400000" scaled="0"/>
+        </a:gradFill>
+      </a:bgFillStyleLst>
+    </a:fmtScheme>
+  </a:themeElements>
+  <a:objectDefaults/>
+  <a:extraClrSchemeLst/>
+  <a:extLst>
+    <a:ext uri="{05A4C25C-085E-4340-85A3-A5531E510DB2}">
+      <thm15:themeFamily xmlns:thm15="http://schemas.microsoft.com/office/thememl/2012/main" name="Office Theme" id="{62F939B6-93AF-4DB8-9C6B-D6C7DFDC589F}" vid="{4A3C46E8-61CC-4603-A589-7422A47A8E4A}"/>
+    </a:ext>
+  </a:extLst>
+</a:theme>
 </file>
--- a/doc/Presentation.pptx
+++ b/doc/Presentation.pptx
@@ -205,7 +205,7 @@
           <a:p>
             <a:fld id="{71FCAFE9-FC54-5240-9330-0C40A39BF0DD}" type="datetimeFigureOut">
               <a:rPr lang="en-IT" smtClean="0"/>
-              <a:t>02/05/2020</a:t>
+              <a:t>03/05/2020</a:t>
             </a:fld>
             <a:endParaRPr lang="en-IT"/>
           </a:p>
@@ -622,7 +622,7 @@
           <a:p>
             <a:fld id="{E353FA8F-824B-6D4F-88EB-2F7DEC2ACD60}" type="datetimeFigureOut">
               <a:rPr lang="en-IT" smtClean="0"/>
-              <a:t>02/05/2020</a:t>
+              <a:t>03/05/2020</a:t>
             </a:fld>
             <a:endParaRPr lang="en-IT"/>
           </a:p>
@@ -822,7 +822,7 @@
           <a:p>
             <a:fld id="{E353FA8F-824B-6D4F-88EB-2F7DEC2ACD60}" type="datetimeFigureOut">
               <a:rPr lang="en-IT" smtClean="0"/>
-              <a:t>02/05/2020</a:t>
+              <a:t>03/05/2020</a:t>
             </a:fld>
             <a:endParaRPr lang="en-IT"/>
           </a:p>
@@ -1032,7 +1032,7 @@
           <a:p>
             <a:fld id="{E353FA8F-824B-6D4F-88EB-2F7DEC2ACD60}" type="datetimeFigureOut">
               <a:rPr lang="en-IT" smtClean="0"/>
-              <a:t>02/05/2020</a:t>
+              <a:t>03/05/2020</a:t>
             </a:fld>
             <a:endParaRPr lang="en-IT"/>
           </a:p>
@@ -1232,7 +1232,7 @@
           <a:p>
             <a:fld id="{E353FA8F-824B-6D4F-88EB-2F7DEC2ACD60}" type="datetimeFigureOut">
               <a:rPr lang="en-IT" smtClean="0"/>
-              <a:t>02/05/2020</a:t>
+              <a:t>03/05/2020</a:t>
             </a:fld>
             <a:endParaRPr lang="en-IT"/>
           </a:p>
@@ -1508,7 +1508,7 @@
           <a:p>
             <a:fld id="{E353FA8F-824B-6D4F-88EB-2F7DEC2ACD60}" type="datetimeFigureOut">
               <a:rPr lang="en-IT" smtClean="0"/>
-              <a:t>02/05/2020</a:t>
+              <a:t>03/05/2020</a:t>
             </a:fld>
             <a:endParaRPr lang="en-IT"/>
           </a:p>
@@ -1776,7 +1776,7 @@
           <a:p>
             <a:fld id="{E353FA8F-824B-6D4F-88EB-2F7DEC2ACD60}" type="datetimeFigureOut">
               <a:rPr lang="en-IT" smtClean="0"/>
-              <a:t>02/05/2020</a:t>
+              <a:t>03/05/2020</a:t>
             </a:fld>
             <a:endParaRPr lang="en-IT"/>
           </a:p>
@@ -2191,7 +2191,7 @@
           <a:p>
             <a:fld id="{E353FA8F-824B-6D4F-88EB-2F7DEC2ACD60}" type="datetimeFigureOut">
               <a:rPr lang="en-IT" smtClean="0"/>
-              <a:t>02/05/2020</a:t>
+              <a:t>03/05/2020</a:t>
             </a:fld>
             <a:endParaRPr lang="en-IT"/>
           </a:p>
@@ -2333,7 +2333,7 @@
           <a:p>
             <a:fld id="{E353FA8F-824B-6D4F-88EB-2F7DEC2ACD60}" type="datetimeFigureOut">
               <a:rPr lang="en-IT" smtClean="0"/>
-              <a:t>02/05/2020</a:t>
+              <a:t>03/05/2020</a:t>
             </a:fld>
             <a:endParaRPr lang="en-IT"/>
           </a:p>
@@ -2446,7 +2446,7 @@
           <a:p>
             <a:fld id="{E353FA8F-824B-6D4F-88EB-2F7DEC2ACD60}" type="datetimeFigureOut">
               <a:rPr lang="en-IT" smtClean="0"/>
-              <a:t>02/05/2020</a:t>
+              <a:t>03/05/2020</a:t>
             </a:fld>
             <a:endParaRPr lang="en-IT"/>
           </a:p>
@@ -2759,7 +2759,7 @@
           <a:p>
             <a:fld id="{E353FA8F-824B-6D4F-88EB-2F7DEC2ACD60}" type="datetimeFigureOut">
               <a:rPr lang="en-IT" smtClean="0"/>
-              <a:t>02/05/2020</a:t>
+              <a:t>03/05/2020</a:t>
             </a:fld>
             <a:endParaRPr lang="en-IT"/>
           </a:p>
@@ -3048,7 +3048,7 @@
           <a:p>
             <a:fld id="{E353FA8F-824B-6D4F-88EB-2F7DEC2ACD60}" type="datetimeFigureOut">
               <a:rPr lang="en-IT" smtClean="0"/>
-              <a:t>02/05/2020</a:t>
+              <a:t>03/05/2020</a:t>
             </a:fld>
             <a:endParaRPr lang="en-IT"/>
           </a:p>
@@ -3291,7 +3291,7 @@
           <a:p>
             <a:fld id="{E353FA8F-824B-6D4F-88EB-2F7DEC2ACD60}" type="datetimeFigureOut">
               <a:rPr lang="en-IT" smtClean="0"/>
-              <a:t>02/05/2020</a:t>
+              <a:t>03/05/2020</a:t>
             </a:fld>
             <a:endParaRPr lang="en-IT"/>
           </a:p>
@@ -4011,8 +4011,8 @@
         </p:blipFill>
         <p:spPr>
           <a:xfrm>
-            <a:off x="8384432" y="1327630"/>
-            <a:ext cx="1155019" cy="1157339"/>
+            <a:off x="8327251" y="1136637"/>
+            <a:ext cx="1345629" cy="1348332"/>
           </a:xfrm>
           <a:prstGeom prst="rect">
             <a:avLst/>
@@ -4248,36 +4248,6 @@
           </a:p>
         </p:txBody>
       </p:sp>
-      <p:pic>
-        <p:nvPicPr>
-          <p:cNvPr id="2" name="Picture 1">
-            <a:extLst>
-              <a:ext uri="{FF2B5EF4-FFF2-40B4-BE49-F238E27FC236}">
-                <a16:creationId xmlns:a16="http://schemas.microsoft.com/office/drawing/2014/main" id="{0046BBD2-54B6-284B-951C-85BD24D002C1}"/>
-              </a:ext>
-            </a:extLst>
-          </p:cNvPr>
-          <p:cNvPicPr>
-            <a:picLocks noChangeAspect="1"/>
-          </p:cNvPicPr>
-          <p:nvPr/>
-        </p:nvPicPr>
-        <p:blipFill>
-          <a:blip r:embed="rId5"/>
-          <a:stretch>
-            <a:fillRect/>
-          </a:stretch>
-        </p:blipFill>
-        <p:spPr>
-          <a:xfrm>
-            <a:off x="8587164" y="4030348"/>
-            <a:ext cx="673798" cy="810842"/>
-          </a:xfrm>
-          <a:prstGeom prst="rect">
-            <a:avLst/>
-          </a:prstGeom>
-        </p:spPr>
-      </p:pic>
       <p:sp>
         <p:nvSpPr>
           <p:cNvPr id="15" name="TextBox 14">
@@ -4292,7 +4262,7 @@
         </p:nvSpPr>
         <p:spPr>
           <a:xfrm>
-            <a:off x="7111005" y="5186240"/>
+            <a:off x="7306251" y="5186240"/>
             <a:ext cx="4104670" cy="1200329"/>
           </a:xfrm>
           <a:prstGeom prst="rect">
@@ -4308,7 +4278,15 @@
           <a:p>
             <a:r>
               <a:rPr lang="en-IT" dirty="0"/>
-              <a:t>The jobs:</a:t>
+              <a:t>The </a:t>
+            </a:r>
+            <a:r>
+              <a:rPr lang="en-IT" b="1" dirty="0"/>
+              <a:t>jobs</a:t>
+            </a:r>
+            <a:r>
+              <a:rPr lang="en-IT" dirty="0"/>
+              <a:t>:</a:t>
             </a:r>
           </a:p>
           <a:p>
@@ -4422,6 +4400,36 @@
           </a:p>
         </p:txBody>
       </p:sp>
+      <p:pic>
+        <p:nvPicPr>
+          <p:cNvPr id="9" name="Picture 8">
+            <a:extLst>
+              <a:ext uri="{FF2B5EF4-FFF2-40B4-BE49-F238E27FC236}">
+                <a16:creationId xmlns:a16="http://schemas.microsoft.com/office/drawing/2014/main" id="{B7B74E05-7369-764A-871E-785C6A2C050C}"/>
+              </a:ext>
+            </a:extLst>
+          </p:cNvPr>
+          <p:cNvPicPr>
+            <a:picLocks noChangeAspect="1"/>
+          </p:cNvPicPr>
+          <p:nvPr/>
+        </p:nvPicPr>
+        <p:blipFill>
+          <a:blip r:embed="rId5"/>
+          <a:stretch>
+            <a:fillRect/>
+          </a:stretch>
+        </p:blipFill>
+        <p:spPr>
+          <a:xfrm>
+            <a:off x="8556254" y="4130748"/>
+            <a:ext cx="1008185" cy="1008185"/>
+          </a:xfrm>
+          <a:prstGeom prst="rect">
+            <a:avLst/>
+          </a:prstGeom>
+        </p:spPr>
+      </p:pic>
     </p:spTree>
     <p:extLst>
       <p:ext uri="{BB962C8B-B14F-4D97-AF65-F5344CB8AC3E}">
